--- a/Suunnitelma/web_programming.pptx
+++ b/Suunnitelma/web_programming.pptx
@@ -1,21 +1,22 @@
 
 <file path=ppt/presentation.xml><?xml version="1.0" encoding="utf-8"?>
-<p:presentation xmlns:a="http://schemas.openxmlformats.org/drawingml/2006/main" xmlns:r="http://schemas.openxmlformats.org/officeDocument/2006/relationships" xmlns:p="http://schemas.openxmlformats.org/presentationml/2006/main" autoCompressPictures="0">
+<p:presentation xmlns:a="http://schemas.openxmlformats.org/drawingml/2006/main" xmlns:r="http://schemas.openxmlformats.org/officeDocument/2006/relationships" xmlns:p="http://schemas.openxmlformats.org/presentationml/2006/main" saveSubsetFonts="1" autoCompressPictures="0">
   <p:sldMasterIdLst>
     <p:sldMasterId id="2147483674" r:id="rId1"/>
   </p:sldMasterIdLst>
   <p:sldIdLst>
     <p:sldId id="256" r:id="rId2"/>
-    <p:sldId id="257" r:id="rId3"/>
-    <p:sldId id="258" r:id="rId4"/>
-    <p:sldId id="259" r:id="rId5"/>
-    <p:sldId id="260" r:id="rId6"/>
-    <p:sldId id="261" r:id="rId7"/>
-    <p:sldId id="262" r:id="rId8"/>
-    <p:sldId id="263" r:id="rId9"/>
-    <p:sldId id="266" r:id="rId10"/>
-    <p:sldId id="264" r:id="rId11"/>
-    <p:sldId id="265" r:id="rId12"/>
+    <p:sldId id="267" r:id="rId3"/>
+    <p:sldId id="257" r:id="rId4"/>
+    <p:sldId id="258" r:id="rId5"/>
+    <p:sldId id="259" r:id="rId6"/>
+    <p:sldId id="260" r:id="rId7"/>
+    <p:sldId id="261" r:id="rId8"/>
+    <p:sldId id="262" r:id="rId9"/>
+    <p:sldId id="263" r:id="rId10"/>
+    <p:sldId id="266" r:id="rId11"/>
+    <p:sldId id="264" r:id="rId12"/>
+    <p:sldId id="265" r:id="rId13"/>
   </p:sldIdLst>
   <p:sldSz cx="12192000" cy="6858000"/>
   <p:notesSz cx="6858000" cy="9144000"/>
@@ -769,7 +770,7 @@
             <a:fld id="{5923F103-BC34-4FE4-A40E-EDDEECFDA5D0}" type="datetimeFigureOut">
               <a:rPr lang="en-US" smtClean="0"/>
               <a:pPr/>
-              <a:t>11/25/2016</a:t>
+              <a:t>11/27/16</a:t>
             </a:fld>
             <a:endParaRPr lang="en-US" dirty="0"/>
           </a:p>
@@ -1895,7 +1896,7 @@
           <a:p>
             <a:fld id="{923A1CC3-2375-41D4-9E03-427CAF2A4C1A}" type="datetimeFigureOut">
               <a:rPr lang="en-US" smtClean="0"/>
-              <a:t>11/25/2016</a:t>
+              <a:t>11/27/16</a:t>
             </a:fld>
             <a:endParaRPr lang="en-US" dirty="0"/>
           </a:p>
@@ -2912,7 +2913,7 @@
           <a:p>
             <a:fld id="{AFF16868-8199-4C2C-A5B1-63AEE139F88E}" type="datetimeFigureOut">
               <a:rPr lang="en-US" smtClean="0"/>
-              <a:t>11/25/2016</a:t>
+              <a:t>11/27/16</a:t>
             </a:fld>
             <a:endParaRPr lang="en-US" dirty="0"/>
           </a:p>
@@ -4088,7 +4089,7 @@
           <a:p>
             <a:fld id="{AAD9FF7F-6988-44CC-821B-644E70CD2F73}" type="datetimeFigureOut">
               <a:rPr lang="en-US" smtClean="0"/>
-              <a:t>11/25/2016</a:t>
+              <a:t>11/27/16</a:t>
             </a:fld>
             <a:endParaRPr lang="en-US" dirty="0"/>
           </a:p>
@@ -5155,7 +5156,7 @@
           <a:p>
             <a:fld id="{5C12C299-16B2-4475-990D-751901EACC14}" type="datetimeFigureOut">
               <a:rPr lang="en-US" smtClean="0"/>
-              <a:t>11/25/2016</a:t>
+              <a:t>11/27/16</a:t>
             </a:fld>
             <a:endParaRPr lang="en-US" dirty="0"/>
           </a:p>
@@ -5807,7 +5808,7 @@
           <a:p>
             <a:fld id="{9FE86839-B9D8-4651-8783-F325ECE74E65}" type="datetimeFigureOut">
               <a:rPr lang="en-US" smtClean="0"/>
-              <a:t>11/25/2016</a:t>
+              <a:t>11/27/16</a:t>
             </a:fld>
             <a:endParaRPr lang="en-US" dirty="0"/>
           </a:p>
@@ -6660,7 +6661,7 @@
           <a:p>
             <a:fld id="{FD484F64-32F6-45C5-931F-ADC1662401D0}" type="datetimeFigureOut">
               <a:rPr lang="en-US" smtClean="0"/>
-              <a:t>11/25/2016</a:t>
+              <a:t>11/27/16</a:t>
             </a:fld>
             <a:endParaRPr lang="en-US" dirty="0"/>
           </a:p>
@@ -6841,7 +6842,7 @@
           <a:p>
             <a:fld id="{53086D93-FCAC-47E0-A2EE-787E62CA814C}" type="datetimeFigureOut">
               <a:rPr lang="en-US" smtClean="0"/>
-              <a:t>11/25/2016</a:t>
+              <a:t>11/27/16</a:t>
             </a:fld>
             <a:endParaRPr lang="en-US" dirty="0"/>
           </a:p>
@@ -7845,7 +7846,7 @@
           <a:p>
             <a:fld id="{CDA879A6-0FD0-4734-A311-86BFCA472E6E}" type="datetimeFigureOut">
               <a:rPr lang="en-US" smtClean="0"/>
-              <a:t>11/25/2016</a:t>
+              <a:t>11/27/16</a:t>
             </a:fld>
             <a:endParaRPr lang="en-US" dirty="0"/>
           </a:p>
@@ -8057,7 +8058,7 @@
           <a:p>
             <a:fld id="{19C9CA7B-DFD4-44B5-8C60-D14B8CD1FB59}" type="datetimeFigureOut">
               <a:rPr lang="en-US" smtClean="0"/>
-              <a:t>11/25/2016</a:t>
+              <a:t>11/27/16</a:t>
             </a:fld>
             <a:endParaRPr lang="en-US" dirty="0"/>
           </a:p>
@@ -9125,7 +9126,7 @@
           <a:p>
             <a:fld id="{F34E6425-0181-43F2-84FC-787E803FD2F8}" type="datetimeFigureOut">
               <a:rPr lang="en-US" smtClean="0"/>
-              <a:t>11/25/2016</a:t>
+              <a:t>11/27/16</a:t>
             </a:fld>
             <a:endParaRPr lang="en-US" dirty="0"/>
           </a:p>
@@ -9403,7 +9404,7 @@
           <a:p>
             <a:fld id="{3BDB8791-F1B0-41E7-B7FD-A781E65C4266}" type="datetimeFigureOut">
               <a:rPr lang="en-US" smtClean="0"/>
-              <a:t>11/25/2016</a:t>
+              <a:t>11/27/16</a:t>
             </a:fld>
             <a:endParaRPr lang="en-US" dirty="0"/>
           </a:p>
@@ -9791,7 +9792,7 @@
           <a:p>
             <a:fld id="{5FDD63B2-E120-4ED8-B27B-C685F510A5FE}" type="datetimeFigureOut">
               <a:rPr lang="en-US" smtClean="0"/>
-              <a:t>11/25/2016</a:t>
+              <a:t>11/27/16</a:t>
             </a:fld>
             <a:endParaRPr lang="en-US" dirty="0"/>
           </a:p>
@@ -9915,7 +9916,7 @@
           <a:p>
             <a:fld id="{7AA18ACC-A947-437B-A130-35BD54FDF1E9}" type="datetimeFigureOut">
               <a:rPr lang="en-US" smtClean="0"/>
-              <a:t>11/25/2016</a:t>
+              <a:t>11/27/16</a:t>
             </a:fld>
             <a:endParaRPr lang="en-US" dirty="0"/>
           </a:p>
@@ -10016,7 +10017,7 @@
           <a:p>
             <a:fld id="{7C8D7E02-BCB8-4D50-A234-369438C08659}" type="datetimeFigureOut">
               <a:rPr lang="en-US" smtClean="0"/>
-              <a:t>11/25/2016</a:t>
+              <a:t>11/27/16</a:t>
             </a:fld>
             <a:endParaRPr lang="en-US" dirty="0"/>
           </a:p>
@@ -11131,7 +11132,7 @@
           <a:p>
             <a:fld id="{76E86A4C-8E40-4F87-A4F0-01A0687C5742}" type="datetimeFigureOut">
               <a:rPr lang="en-US" smtClean="0"/>
-              <a:t>11/25/2016</a:t>
+              <a:t>11/27/16</a:t>
             </a:fld>
             <a:endParaRPr lang="en-US" dirty="0"/>
           </a:p>
@@ -12270,7 +12271,7 @@
           <a:p>
             <a:fld id="{35E72C73-2D91-4E12-BA25-F0AA0C03599B}" type="datetimeFigureOut">
               <a:rPr lang="en-US" smtClean="0"/>
-              <a:t>11/25/2016</a:t>
+              <a:t>11/27/16</a:t>
             </a:fld>
             <a:endParaRPr lang="en-US" dirty="0"/>
           </a:p>
@@ -13304,7 +13305,7 @@
           <a:p>
             <a:fld id="{2BE451C3-0FF4-47C4-B829-773ADF60F88C}" type="datetimeFigureOut">
               <a:rPr lang="en-US" smtClean="0"/>
-              <a:t>11/25/2016</a:t>
+              <a:t>11/27/16</a:t>
             </a:fld>
             <a:endParaRPr lang="en-US" dirty="0"/>
           </a:p>
@@ -13915,6 +13916,15 @@
               <a:rPr lang="fi-FI" dirty="0" smtClean="0"/>
               <a:t>Web-Programming </a:t>
             </a:r>
+            <a:r>
+              <a:rPr lang="fi-FI" dirty="0" smtClean="0"/>
+              <a:t>– Project </a:t>
+            </a:r>
+            <a:r>
+              <a:rPr lang="fi-FI" dirty="0" err="1" smtClean="0"/>
+              <a:t>work</a:t>
+            </a:r>
+            <a:endParaRPr lang="fi-FI" dirty="0" smtClean="0"/>
           </a:p>
           <a:p>
             <a:r>
@@ -14047,7 +14057,11 @@
           <a:bodyPr/>
           <a:lstStyle/>
           <a:p>
-            <a:endParaRPr lang="en-US"/>
+            <a:r>
+              <a:rPr lang="en-US" dirty="0" smtClean="0"/>
+              <a:t>Resources for this presentation</a:t>
+            </a:r>
+            <a:endParaRPr lang="en-US" dirty="0"/>
           </a:p>
         </p:txBody>
       </p:sp>
@@ -14066,20 +14080,70 @@
           <a:bodyPr/>
           <a:lstStyle/>
           <a:p>
-            <a:endParaRPr lang="en-US"/>
+            <a:r>
+              <a:rPr lang="en-US" sz="2800" dirty="0" err="1"/>
+              <a:t>Viivi</a:t>
+            </a:r>
+            <a:r>
+              <a:rPr lang="en-US" sz="2800" dirty="0"/>
+              <a:t> : </a:t>
+            </a:r>
+          </a:p>
+          <a:p>
+            <a:r>
+              <a:rPr lang="en-US" sz="2800" dirty="0"/>
+              <a:t>Mika : </a:t>
+            </a:r>
+          </a:p>
+          <a:p>
+            <a:r>
+              <a:rPr lang="en-US" sz="2800" dirty="0" err="1"/>
+              <a:t>Juho</a:t>
+            </a:r>
+            <a:r>
+              <a:rPr lang="en-US" sz="2800" dirty="0"/>
+              <a:t> :</a:t>
+            </a:r>
+          </a:p>
+          <a:p>
+            <a:r>
+              <a:rPr lang="en-US" sz="2800" dirty="0"/>
+              <a:t>Teemu </a:t>
+            </a:r>
+            <a:r>
+              <a:rPr lang="en-US" sz="2800" dirty="0" smtClean="0"/>
+              <a:t>: 2h</a:t>
+            </a:r>
+            <a:endParaRPr lang="en-US" sz="2800" dirty="0"/>
+          </a:p>
+          <a:p>
+            <a:r>
+              <a:rPr lang="en-US" sz="2800" dirty="0"/>
+              <a:t>Total =</a:t>
+            </a:r>
+          </a:p>
+          <a:p>
+            <a:endParaRPr lang="en-US" dirty="0"/>
           </a:p>
         </p:txBody>
       </p:sp>
     </p:spTree>
     <p:extLst>
       <p:ext uri="{BB962C8B-B14F-4D97-AF65-F5344CB8AC3E}">
-        <p14:creationId xmlns:p14="http://schemas.microsoft.com/office/powerpoint/2010/main" val="436931060"/>
+        <p14:creationId xmlns:p14="http://schemas.microsoft.com/office/powerpoint/2010/main" val="1239737546"/>
       </p:ext>
     </p:extLst>
   </p:cSld>
   <p:clrMapOvr>
     <a:masterClrMapping/>
   </p:clrMapOvr>
+  <p:timing>
+    <p:tnLst>
+      <p:par>
+        <p:cTn id="1" dur="indefinite" restart="never" nodeType="tmRoot"/>
+      </p:par>
+    </p:tnLst>
+  </p:timing>
 </p:sld>
 </file>
 
@@ -14115,7 +14179,94 @@
           <a:bodyPr/>
           <a:lstStyle/>
           <a:p>
-            <a:endParaRPr lang="en-US"/>
+            <a:r>
+              <a:rPr lang="en-US" dirty="0" smtClean="0"/>
+              <a:t>The prototype</a:t>
+            </a:r>
+            <a:endParaRPr lang="en-US" dirty="0"/>
+          </a:p>
+        </p:txBody>
+      </p:sp>
+      <p:sp>
+        <p:nvSpPr>
+          <p:cNvPr id="3" name="Content Placeholder 2"/>
+          <p:cNvSpPr>
+            <a:spLocks noGrp="1"/>
+          </p:cNvSpPr>
+          <p:nvPr>
+            <p:ph idx="1"/>
+          </p:nvPr>
+        </p:nvSpPr>
+        <p:spPr/>
+        <p:txBody>
+          <a:bodyPr>
+            <a:normAutofit/>
+          </a:bodyPr>
+          <a:lstStyle/>
+          <a:p>
+            <a:r>
+              <a:rPr lang="en-US" sz="2800" dirty="0" smtClean="0"/>
+              <a:t>Let us show the prototype of our web service.</a:t>
+            </a:r>
+          </a:p>
+          <a:p>
+            <a:pPr marL="0" indent="0">
+              <a:buNone/>
+            </a:pPr>
+            <a:endParaRPr lang="en-US" sz="2800" dirty="0"/>
+          </a:p>
+        </p:txBody>
+      </p:sp>
+    </p:spTree>
+    <p:extLst>
+      <p:ext uri="{BB962C8B-B14F-4D97-AF65-F5344CB8AC3E}">
+        <p14:creationId xmlns:p14="http://schemas.microsoft.com/office/powerpoint/2010/main" val="436931060"/>
+      </p:ext>
+    </p:extLst>
+  </p:cSld>
+  <p:clrMapOvr>
+    <a:masterClrMapping/>
+  </p:clrMapOvr>
+</p:sld>
+</file>
+
+<file path=ppt/slides/slide12.xml><?xml version="1.0" encoding="utf-8"?>
+<p:sld xmlns:a="http://schemas.openxmlformats.org/drawingml/2006/main" xmlns:r="http://schemas.openxmlformats.org/officeDocument/2006/relationships" xmlns:p="http://schemas.openxmlformats.org/presentationml/2006/main">
+  <p:cSld>
+    <p:spTree>
+      <p:nvGrpSpPr>
+        <p:cNvPr id="1" name=""/>
+        <p:cNvGrpSpPr/>
+        <p:nvPr/>
+      </p:nvGrpSpPr>
+      <p:grpSpPr>
+        <a:xfrm>
+          <a:off x="0" y="0"/>
+          <a:ext cx="0" cy="0"/>
+          <a:chOff x="0" y="0"/>
+          <a:chExt cx="0" cy="0"/>
+        </a:xfrm>
+      </p:grpSpPr>
+      <p:sp>
+        <p:nvSpPr>
+          <p:cNvPr id="2" name="Title 1"/>
+          <p:cNvSpPr>
+            <a:spLocks noGrp="1"/>
+          </p:cNvSpPr>
+          <p:nvPr>
+            <p:ph type="title"/>
+          </p:nvPr>
+        </p:nvSpPr>
+        <p:spPr/>
+        <p:txBody>
+          <a:bodyPr/>
+          <a:lstStyle/>
+          <a:p>
+            <a:r>
+              <a:rPr lang="en-US" dirty="0" smtClean="0"/>
+              <a:t>Thank you!</a:t>
+            </a:r>
+            <a:endParaRPr lang="en-US" dirty="0"/>
           </a:p>
         </p:txBody>
       </p:sp>
@@ -14134,7 +14285,7 @@
           <a:bodyPr/>
           <a:lstStyle/>
           <a:p>
-            <a:endParaRPr lang="en-US"/>
+            <a:endParaRPr lang="en-US" dirty="0"/>
           </a:p>
         </p:txBody>
       </p:sp>
@@ -14184,20 +14335,8 @@
           <a:lstStyle/>
           <a:p>
             <a:r>
-              <a:rPr lang="fi-FI" dirty="0" err="1" smtClean="0"/>
-              <a:t>What</a:t>
-            </a:r>
-            <a:r>
-              <a:rPr lang="fi-FI" dirty="0" smtClean="0"/>
-              <a:t> is </a:t>
-            </a:r>
-            <a:r>
-              <a:rPr lang="fi-FI" dirty="0" err="1" smtClean="0"/>
-              <a:t>Reso</a:t>
-            </a:r>
-            <a:r>
-              <a:rPr lang="fi-FI" dirty="0" smtClean="0"/>
-              <a:t>?</a:t>
+              <a:rPr lang="en-US" dirty="0" smtClean="0"/>
+              <a:t>Used techniques/tools</a:t>
             </a:r>
             <a:endParaRPr lang="en-US" dirty="0"/>
           </a:p>
@@ -14215,80 +14354,61 @@
         </p:nvSpPr>
         <p:spPr/>
         <p:txBody>
-          <a:bodyPr/>
+          <a:bodyPr>
+            <a:normAutofit/>
+          </a:bodyPr>
           <a:lstStyle/>
           <a:p>
             <a:r>
+              <a:rPr lang="en-US" sz="2800" dirty="0" smtClean="0"/>
+              <a:t>HTML, CSS and  Bootstrap–library for layout</a:t>
+            </a:r>
+          </a:p>
+          <a:p>
+            <a:r>
+              <a:rPr lang="en-US" sz="2800" dirty="0" smtClean="0"/>
+              <a:t>JavaScript &amp; </a:t>
+            </a:r>
+            <a:r>
               <a:rPr lang="en-US" sz="2800" dirty="0" err="1" smtClean="0"/>
-              <a:t>Reso</a:t>
+              <a:t>Jquery</a:t>
             </a:r>
             <a:r>
               <a:rPr lang="en-US" sz="2800" dirty="0" smtClean="0"/>
-              <a:t> is project management web service.</a:t>
-            </a:r>
-          </a:p>
-          <a:p>
+              <a:t> for programming</a:t>
+            </a:r>
+          </a:p>
+          <a:p>
+            <a:r>
+              <a:rPr lang="en-US" sz="2800" dirty="0" err="1" smtClean="0"/>
+              <a:t>Github</a:t>
+            </a:r>
             <a:r>
               <a:rPr lang="en-US" sz="2800" dirty="0" smtClean="0"/>
-              <a:t>It’s designed for desktop use</a:t>
+              <a:t> for version control</a:t>
             </a:r>
           </a:p>
           <a:p>
             <a:r>
               <a:rPr lang="en-US" sz="2800" dirty="0" smtClean="0"/>
-              <a:t>Idea of </a:t>
-            </a:r>
-            <a:r>
-              <a:rPr lang="en-US" sz="2800" dirty="0" err="1" smtClean="0"/>
-              <a:t>Reso</a:t>
-            </a:r>
-            <a:r>
-              <a:rPr lang="en-US" sz="2800" dirty="0" smtClean="0"/>
-              <a:t> is that person can find and manage all their projects from same place</a:t>
-            </a:r>
-          </a:p>
-          <a:p>
-            <a:r>
-              <a:rPr lang="en-US" sz="2800" dirty="0"/>
-              <a:t>This version of the web service is only a </a:t>
-            </a:r>
-            <a:r>
-              <a:rPr lang="en-US" sz="2800" dirty="0" smtClean="0"/>
-              <a:t>prototype</a:t>
-            </a:r>
+              <a:t>Slack for messaging</a:t>
+            </a:r>
+          </a:p>
+          <a:p>
             <a:endParaRPr lang="en-US" sz="2800" dirty="0"/>
-          </a:p>
-          <a:p>
-            <a:endParaRPr lang="en-US" sz="2800" dirty="0" smtClean="0"/>
-          </a:p>
-          <a:p>
-            <a:pPr marL="0" indent="0">
-              <a:buNone/>
-            </a:pPr>
-            <a:endParaRPr lang="en-US" dirty="0" smtClean="0"/>
-          </a:p>
-          <a:p>
-            <a:endParaRPr lang="en-US" dirty="0" smtClean="0"/>
           </a:p>
         </p:txBody>
       </p:sp>
     </p:spTree>
     <p:extLst>
       <p:ext uri="{BB962C8B-B14F-4D97-AF65-F5344CB8AC3E}">
-        <p14:creationId xmlns:p14="http://schemas.microsoft.com/office/powerpoint/2010/main" val="1407910578"/>
+        <p14:creationId xmlns:p14="http://schemas.microsoft.com/office/powerpoint/2010/main" val="1649842861"/>
       </p:ext>
     </p:extLst>
   </p:cSld>
   <p:clrMapOvr>
     <a:masterClrMapping/>
   </p:clrMapOvr>
-  <p:timing>
-    <p:tnLst>
-      <p:par>
-        <p:cTn id="1" dur="indefinite" restart="never" nodeType="tmRoot"/>
-      </p:par>
-    </p:tnLst>
-  </p:timing>
 </p:sld>
 </file>
 
@@ -14325,8 +14445,20 @@
           <a:lstStyle/>
           <a:p>
             <a:r>
-              <a:rPr lang="en-US" dirty="0" smtClean="0"/>
-              <a:t>Structure</a:t>
+              <a:rPr lang="fi-FI" dirty="0" err="1" smtClean="0"/>
+              <a:t>What</a:t>
+            </a:r>
+            <a:r>
+              <a:rPr lang="fi-FI" dirty="0" smtClean="0"/>
+              <a:t> is </a:t>
+            </a:r>
+            <a:r>
+              <a:rPr lang="fi-FI" dirty="0" err="1" smtClean="0"/>
+              <a:t>Reso</a:t>
+            </a:r>
+            <a:r>
+              <a:rPr lang="fi-FI" dirty="0" smtClean="0"/>
+              <a:t>?</a:t>
             </a:r>
             <a:endParaRPr lang="en-US" dirty="0"/>
           </a:p>
@@ -14344,51 +14476,67 @@
         </p:nvSpPr>
         <p:spPr/>
         <p:txBody>
-          <a:bodyPr>
-            <a:normAutofit/>
-          </a:bodyPr>
+          <a:bodyPr/>
           <a:lstStyle/>
           <a:p>
             <a:r>
+              <a:rPr lang="en-US" sz="2800" dirty="0" err="1" smtClean="0"/>
+              <a:t>Reso</a:t>
+            </a:r>
+            <a:r>
               <a:rPr lang="en-US" sz="2800" dirty="0" smtClean="0"/>
-              <a:t>Service consists of four main pages</a:t>
-            </a:r>
-          </a:p>
-          <a:p>
-            <a:pPr lvl="1"/>
+              <a:t> is project management web service.</a:t>
+            </a:r>
+          </a:p>
+          <a:p>
             <a:r>
               <a:rPr lang="en-US" sz="2800" dirty="0" smtClean="0"/>
-              <a:t>Home page</a:t>
-            </a:r>
-          </a:p>
-          <a:p>
-            <a:pPr lvl="1"/>
+              <a:t>It’s designed for desktop use</a:t>
+            </a:r>
+          </a:p>
+          <a:p>
             <a:r>
               <a:rPr lang="en-US" sz="2800" dirty="0" smtClean="0"/>
-              <a:t>Profile/personal page</a:t>
-            </a:r>
-          </a:p>
-          <a:p>
-            <a:pPr lvl="1"/>
+              <a:t>Idea of </a:t>
+            </a:r>
+            <a:r>
+              <a:rPr lang="en-US" sz="2800" dirty="0" err="1" smtClean="0"/>
+              <a:t>Reso</a:t>
+            </a:r>
             <a:r>
               <a:rPr lang="en-US" sz="2800" dirty="0" smtClean="0"/>
-              <a:t>Project page</a:t>
-            </a:r>
-          </a:p>
-          <a:p>
-            <a:pPr lvl="1"/>
+              <a:t> is that person can find and manage all their projects from same place</a:t>
+            </a:r>
+          </a:p>
+          <a:p>
+            <a:r>
+              <a:rPr lang="en-US" sz="2800" dirty="0"/>
+              <a:t>This version of the web service is only a </a:t>
+            </a:r>
             <a:r>
               <a:rPr lang="en-US" sz="2800" dirty="0" smtClean="0"/>
-              <a:t>Notes page  </a:t>
+              <a:t>prototype</a:t>
             </a:r>
             <a:endParaRPr lang="en-US" sz="2800" dirty="0"/>
+          </a:p>
+          <a:p>
+            <a:endParaRPr lang="en-US" sz="2800" dirty="0" smtClean="0"/>
+          </a:p>
+          <a:p>
+            <a:pPr marL="0" indent="0">
+              <a:buNone/>
+            </a:pPr>
+            <a:endParaRPr lang="en-US" dirty="0" smtClean="0"/>
+          </a:p>
+          <a:p>
+            <a:endParaRPr lang="en-US" dirty="0" smtClean="0"/>
           </a:p>
         </p:txBody>
       </p:sp>
     </p:spTree>
     <p:extLst>
       <p:ext uri="{BB962C8B-B14F-4D97-AF65-F5344CB8AC3E}">
-        <p14:creationId xmlns:p14="http://schemas.microsoft.com/office/powerpoint/2010/main" val="470320569"/>
+        <p14:creationId xmlns:p14="http://schemas.microsoft.com/office/powerpoint/2010/main" val="1407910578"/>
       </p:ext>
     </p:extLst>
   </p:cSld>
@@ -14439,7 +14587,7 @@
           <a:p>
             <a:r>
               <a:rPr lang="en-US" dirty="0" smtClean="0"/>
-              <a:t>Home page</a:t>
+              <a:t>Structure</a:t>
             </a:r>
             <a:endParaRPr lang="en-US" dirty="0"/>
           </a:p>
@@ -14457,88 +14605,51 @@
         </p:nvSpPr>
         <p:spPr/>
         <p:txBody>
-          <a:bodyPr/>
+          <a:bodyPr>
+            <a:normAutofit/>
+          </a:bodyPr>
           <a:lstStyle/>
           <a:p>
             <a:r>
               <a:rPr lang="en-US" sz="2800" dirty="0" smtClean="0"/>
-              <a:t>Contains:</a:t>
+              <a:t>Service consists of four main pages</a:t>
             </a:r>
           </a:p>
           <a:p>
             <a:pPr lvl="1"/>
             <a:r>
               <a:rPr lang="en-US" sz="2800" dirty="0" smtClean="0"/>
-              <a:t>Description of the service/application</a:t>
+              <a:t>Home page</a:t>
             </a:r>
           </a:p>
           <a:p>
             <a:pPr lvl="1"/>
             <a:r>
               <a:rPr lang="en-US" sz="2800" dirty="0" smtClean="0"/>
-              <a:t>Login form</a:t>
+              <a:t>Profile/personal page</a:t>
             </a:r>
           </a:p>
           <a:p>
             <a:pPr lvl="1"/>
             <a:r>
               <a:rPr lang="en-US" sz="2800" dirty="0" smtClean="0"/>
-              <a:t>Registration form</a:t>
-            </a:r>
-          </a:p>
-          <a:p>
-            <a:r>
-              <a:rPr lang="en-US" sz="3000" dirty="0" smtClean="0"/>
-              <a:t>Responsible</a:t>
-            </a:r>
-            <a:r>
-              <a:rPr lang="fi-FI" sz="3000" dirty="0" smtClean="0"/>
-              <a:t> person: Viivi</a:t>
-            </a:r>
-            <a:endParaRPr lang="en-US" sz="3000" dirty="0" smtClean="0"/>
-          </a:p>
-          <a:p>
-            <a:pPr marL="457200" lvl="1" indent="0">
-              <a:buNone/>
-            </a:pPr>
-            <a:endParaRPr lang="en-US" sz="2800" dirty="0" smtClean="0"/>
-          </a:p>
-          <a:p>
-            <a:pPr marL="457200" lvl="1" indent="0">
-              <a:buNone/>
-            </a:pPr>
-            <a:endParaRPr lang="fi-FI" sz="2800" dirty="0"/>
-          </a:p>
-          <a:p>
-            <a:pPr marL="457200" lvl="1" indent="0">
-              <a:buNone/>
-            </a:pPr>
-            <a:endParaRPr lang="fi-FI" sz="2800" dirty="0" smtClean="0"/>
-          </a:p>
-          <a:p>
-            <a:pPr marL="457200" lvl="1" indent="0">
-              <a:buNone/>
-            </a:pPr>
-            <a:endParaRPr lang="en-US" sz="2800" dirty="0" smtClean="0"/>
-          </a:p>
-          <a:p>
-            <a:pPr marL="457200" lvl="1" indent="0">
-              <a:buNone/>
-            </a:pPr>
-            <a:endParaRPr lang="en-US" sz="2800" dirty="0" smtClean="0"/>
-          </a:p>
-          <a:p>
-            <a:pPr marL="457200" lvl="1" indent="0">
-              <a:buNone/>
-            </a:pPr>
-            <a:endParaRPr lang="en-US" dirty="0" smtClean="0"/>
+              <a:t>Project page</a:t>
+            </a:r>
+          </a:p>
+          <a:p>
+            <a:pPr lvl="1"/>
+            <a:r>
+              <a:rPr lang="en-US" sz="2800" dirty="0" smtClean="0"/>
+              <a:t>Notes page  </a:t>
+            </a:r>
+            <a:endParaRPr lang="en-US" sz="2800" dirty="0"/>
           </a:p>
         </p:txBody>
       </p:sp>
     </p:spTree>
     <p:extLst>
       <p:ext uri="{BB962C8B-B14F-4D97-AF65-F5344CB8AC3E}">
-        <p14:creationId xmlns:p14="http://schemas.microsoft.com/office/powerpoint/2010/main" val="3460007575"/>
+        <p14:creationId xmlns:p14="http://schemas.microsoft.com/office/powerpoint/2010/main" val="470320569"/>
       </p:ext>
     </p:extLst>
   </p:cSld>
@@ -14589,7 +14700,7 @@
           <a:p>
             <a:r>
               <a:rPr lang="en-US" dirty="0" smtClean="0"/>
-              <a:t>Profile page</a:t>
+              <a:t>Home page</a:t>
             </a:r>
             <a:endParaRPr lang="en-US" dirty="0"/>
           </a:p>
@@ -14611,40 +14722,30 @@
           <a:lstStyle/>
           <a:p>
             <a:r>
-              <a:rPr lang="fi-FI" sz="2800" dirty="0" smtClean="0"/>
+              <a:rPr lang="en-US" sz="2800" dirty="0" smtClean="0"/>
               <a:t>Contains:</a:t>
             </a:r>
           </a:p>
           <a:p>
             <a:pPr lvl="1"/>
             <a:r>
-              <a:rPr lang="fi-FI" sz="2800" dirty="0" err="1" smtClean="0"/>
-              <a:t>List</a:t>
-            </a:r>
-            <a:r>
-              <a:rPr lang="fi-FI" sz="2800" dirty="0" smtClean="0"/>
-              <a:t> of </a:t>
-            </a:r>
-            <a:r>
-              <a:rPr lang="fi-FI" sz="2800" dirty="0" err="1" smtClean="0"/>
-              <a:t>projects</a:t>
-            </a:r>
-            <a:endParaRPr lang="en-US" sz="2800" dirty="0" smtClean="0"/>
+              <a:rPr lang="en-US" sz="2800" dirty="0" smtClean="0"/>
+              <a:t>Description of the service/application</a:t>
+            </a:r>
           </a:p>
           <a:p>
             <a:pPr lvl="1"/>
             <a:r>
-              <a:rPr lang="fi-FI" sz="2800" dirty="0" smtClean="0"/>
-              <a:t>Notes</a:t>
+              <a:rPr lang="en-US" sz="2800" dirty="0" smtClean="0"/>
+              <a:t>Login form</a:t>
             </a:r>
           </a:p>
           <a:p>
             <a:pPr lvl="1"/>
             <a:r>
-              <a:rPr lang="fi-FI" sz="2800" dirty="0" err="1" smtClean="0"/>
-              <a:t>Todos</a:t>
-            </a:r>
-            <a:endParaRPr lang="en-US" dirty="0"/>
+              <a:rPr lang="en-US" sz="2800" dirty="0" smtClean="0"/>
+              <a:t>Registration form</a:t>
+            </a:r>
           </a:p>
           <a:p>
             <a:r>
@@ -14653,30 +14754,52 @@
             </a:r>
             <a:r>
               <a:rPr lang="fi-FI" sz="3000" dirty="0" smtClean="0"/>
-              <a:t> </a:t>
-            </a:r>
-            <a:r>
-              <a:rPr lang="fi-FI" sz="3000" dirty="0"/>
-              <a:t>person: </a:t>
-            </a:r>
-            <a:r>
-              <a:rPr lang="fi-FI" sz="3000" dirty="0" smtClean="0"/>
-              <a:t>Teemu</a:t>
-            </a:r>
-            <a:endParaRPr lang="en-US" sz="3000" dirty="0"/>
-          </a:p>
-          <a:p>
-            <a:pPr marL="0" indent="0">
+              <a:t> person: Viivi</a:t>
+            </a:r>
+            <a:endParaRPr lang="en-US" sz="3000" dirty="0" smtClean="0"/>
+          </a:p>
+          <a:p>
+            <a:pPr marL="457200" lvl="1" indent="0">
               <a:buNone/>
             </a:pPr>
-            <a:endParaRPr lang="fi-FI" sz="3000" dirty="0" smtClean="0"/>
+            <a:endParaRPr lang="en-US" sz="2800" dirty="0" smtClean="0"/>
+          </a:p>
+          <a:p>
+            <a:pPr marL="457200" lvl="1" indent="0">
+              <a:buNone/>
+            </a:pPr>
+            <a:endParaRPr lang="fi-FI" sz="2800" dirty="0"/>
+          </a:p>
+          <a:p>
+            <a:pPr marL="457200" lvl="1" indent="0">
+              <a:buNone/>
+            </a:pPr>
+            <a:endParaRPr lang="fi-FI" sz="2800" dirty="0" smtClean="0"/>
+          </a:p>
+          <a:p>
+            <a:pPr marL="457200" lvl="1" indent="0">
+              <a:buNone/>
+            </a:pPr>
+            <a:endParaRPr lang="en-US" sz="2800" dirty="0" smtClean="0"/>
+          </a:p>
+          <a:p>
+            <a:pPr marL="457200" lvl="1" indent="0">
+              <a:buNone/>
+            </a:pPr>
+            <a:endParaRPr lang="en-US" sz="2800" dirty="0" smtClean="0"/>
+          </a:p>
+          <a:p>
+            <a:pPr marL="457200" lvl="1" indent="0">
+              <a:buNone/>
+            </a:pPr>
+            <a:endParaRPr lang="en-US" dirty="0" smtClean="0"/>
           </a:p>
         </p:txBody>
       </p:sp>
     </p:spTree>
     <p:extLst>
       <p:ext uri="{BB962C8B-B14F-4D97-AF65-F5344CB8AC3E}">
-        <p14:creationId xmlns:p14="http://schemas.microsoft.com/office/powerpoint/2010/main" val="2276386356"/>
+        <p14:creationId xmlns:p14="http://schemas.microsoft.com/office/powerpoint/2010/main" val="3460007575"/>
       </p:ext>
     </p:extLst>
   </p:cSld>
@@ -14727,7 +14850,7 @@
           <a:p>
             <a:r>
               <a:rPr lang="en-US" dirty="0" smtClean="0"/>
-              <a:t>Project page</a:t>
+              <a:t>Profile page</a:t>
             </a:r>
             <a:endParaRPr lang="en-US" dirty="0"/>
           </a:p>
@@ -14749,59 +14872,72 @@
           <a:lstStyle/>
           <a:p>
             <a:r>
-              <a:rPr lang="fi-FI" sz="2800" dirty="0"/>
+              <a:rPr lang="fi-FI" sz="2800" dirty="0" smtClean="0"/>
               <a:t>Contains:</a:t>
             </a:r>
           </a:p>
           <a:p>
             <a:pPr lvl="1"/>
             <a:r>
-              <a:rPr lang="en-US" sz="2800" dirty="0" smtClean="0"/>
-              <a:t>Notice board</a:t>
-            </a:r>
+              <a:rPr lang="fi-FI" sz="2800" dirty="0" err="1" smtClean="0"/>
+              <a:t>List</a:t>
+            </a:r>
+            <a:r>
+              <a:rPr lang="fi-FI" sz="2800" dirty="0" smtClean="0"/>
+              <a:t> of </a:t>
+            </a:r>
+            <a:r>
+              <a:rPr lang="fi-FI" sz="2800" dirty="0" err="1" smtClean="0"/>
+              <a:t>projects</a:t>
+            </a:r>
+            <a:endParaRPr lang="en-US" sz="2800" dirty="0" smtClean="0"/>
           </a:p>
           <a:p>
             <a:pPr lvl="1"/>
             <a:r>
-              <a:rPr lang="en-US" sz="2800" dirty="0" smtClean="0"/>
-              <a:t>Information about the project</a:t>
+              <a:rPr lang="fi-FI" sz="2800" dirty="0" smtClean="0"/>
+              <a:t>Notes</a:t>
             </a:r>
           </a:p>
           <a:p>
             <a:pPr lvl="1"/>
             <a:r>
-              <a:rPr lang="en-US" sz="2800" dirty="0" smtClean="0"/>
-              <a:t>Resource table</a:t>
-            </a:r>
-          </a:p>
-          <a:p>
-            <a:r>
-              <a:rPr lang="fi-FI" sz="3000" dirty="0" err="1"/>
+              <a:rPr lang="fi-FI" sz="2800" dirty="0" err="1" smtClean="0"/>
+              <a:t>Todos</a:t>
+            </a:r>
+            <a:endParaRPr lang="en-US" dirty="0"/>
+          </a:p>
+          <a:p>
+            <a:r>
+              <a:rPr lang="en-US" sz="3000" dirty="0" smtClean="0"/>
               <a:t>Responsible</a:t>
             </a:r>
             <a:r>
+              <a:rPr lang="fi-FI" sz="3000" dirty="0" smtClean="0"/>
+              <a:t> </a:t>
+            </a:r>
+            <a:r>
               <a:rPr lang="fi-FI" sz="3000" dirty="0"/>
-              <a:t> person: </a:t>
+              <a:t>person: </a:t>
             </a:r>
             <a:r>
               <a:rPr lang="fi-FI" sz="3000" dirty="0" smtClean="0"/>
-              <a:t>Mika</a:t>
+              <a:t>Teemu</a:t>
             </a:r>
             <a:endParaRPr lang="en-US" sz="3000" dirty="0"/>
           </a:p>
           <a:p>
-            <a:endParaRPr lang="en-US" sz="3000" dirty="0" smtClean="0"/>
-          </a:p>
-          <a:p>
-            <a:pPr lvl="1"/>
-            <a:endParaRPr lang="en-US" dirty="0"/>
+            <a:pPr marL="0" indent="0">
+              <a:buNone/>
+            </a:pPr>
+            <a:endParaRPr lang="fi-FI" sz="3000" dirty="0" smtClean="0"/>
           </a:p>
         </p:txBody>
       </p:sp>
     </p:spTree>
     <p:extLst>
       <p:ext uri="{BB962C8B-B14F-4D97-AF65-F5344CB8AC3E}">
-        <p14:creationId xmlns:p14="http://schemas.microsoft.com/office/powerpoint/2010/main" val="2190767886"/>
+        <p14:creationId xmlns:p14="http://schemas.microsoft.com/office/powerpoint/2010/main" val="2276386356"/>
       </p:ext>
     </p:extLst>
   </p:cSld>
@@ -14851,12 +14987,8 @@
           <a:lstStyle/>
           <a:p>
             <a:r>
-              <a:rPr lang="fi-FI" dirty="0" smtClean="0"/>
-              <a:t>Notes </a:t>
-            </a:r>
-            <a:r>
               <a:rPr lang="en-US" dirty="0" smtClean="0"/>
-              <a:t>page</a:t>
+              <a:t>Project page</a:t>
             </a:r>
             <a:endParaRPr lang="en-US" dirty="0"/>
           </a:p>
@@ -14878,7 +15010,7 @@
           <a:lstStyle/>
           <a:p>
             <a:r>
-              <a:rPr lang="fi-FI" sz="2800" dirty="0" smtClean="0"/>
+              <a:rPr lang="fi-FI" sz="2800" dirty="0"/>
               <a:t>Contains:</a:t>
             </a:r>
           </a:p>
@@ -14886,42 +15018,43 @@
             <a:pPr lvl="1"/>
             <a:r>
               <a:rPr lang="en-US" sz="2800" dirty="0" smtClean="0"/>
-              <a:t>List of notes</a:t>
+              <a:t>Notice board</a:t>
             </a:r>
           </a:p>
           <a:p>
             <a:pPr lvl="1"/>
             <a:r>
               <a:rPr lang="en-US" sz="2800" dirty="0" smtClean="0"/>
-              <a:t>Filtering</a:t>
-            </a:r>
-          </a:p>
-          <a:p>
-            <a:r>
-              <a:rPr lang="en-US" sz="3000" dirty="0" smtClean="0"/>
+              <a:t>Information about the project</a:t>
+            </a:r>
+          </a:p>
+          <a:p>
+            <a:pPr lvl="1"/>
+            <a:r>
+              <a:rPr lang="en-US" sz="2800" dirty="0" smtClean="0"/>
+              <a:t>Resource table</a:t>
+            </a:r>
+          </a:p>
+          <a:p>
+            <a:r>
+              <a:rPr lang="fi-FI" sz="3000" dirty="0" err="1"/>
               <a:t>Responsible</a:t>
             </a:r>
             <a:r>
+              <a:rPr lang="fi-FI" sz="3000" dirty="0"/>
+              <a:t> person: </a:t>
+            </a:r>
+            <a:r>
               <a:rPr lang="fi-FI" sz="3000" dirty="0" smtClean="0"/>
-              <a:t> </a:t>
-            </a:r>
-            <a:r>
-              <a:rPr lang="fi-FI" sz="3000" dirty="0"/>
-              <a:t>person: </a:t>
-            </a:r>
-            <a:r>
-              <a:rPr lang="fi-FI" sz="3000" dirty="0" smtClean="0"/>
-              <a:t>Juho</a:t>
+              <a:t>Mika</a:t>
             </a:r>
             <a:endParaRPr lang="en-US" sz="3000" dirty="0"/>
           </a:p>
           <a:p>
-            <a:pPr marL="0" indent="0">
-              <a:buNone/>
-            </a:pPr>
-            <a:endParaRPr lang="fi-FI" sz="3000" dirty="0" smtClean="0"/>
-          </a:p>
-          <a:p>
+            <a:endParaRPr lang="en-US" sz="3000" dirty="0" smtClean="0"/>
+          </a:p>
+          <a:p>
+            <a:pPr lvl="1"/>
             <a:endParaRPr lang="en-US" dirty="0"/>
           </a:p>
         </p:txBody>
@@ -14929,7 +15062,7 @@
     </p:spTree>
     <p:extLst>
       <p:ext uri="{BB962C8B-B14F-4D97-AF65-F5344CB8AC3E}">
-        <p14:creationId xmlns:p14="http://schemas.microsoft.com/office/powerpoint/2010/main" val="277678443"/>
+        <p14:creationId xmlns:p14="http://schemas.microsoft.com/office/powerpoint/2010/main" val="2190767886"/>
       </p:ext>
     </p:extLst>
   </p:cSld>
@@ -14979,8 +15112,12 @@
           <a:lstStyle/>
           <a:p>
             <a:r>
-              <a:rPr lang="fi-FI" dirty="0" err="1" smtClean="0"/>
-              <a:t>Summary</a:t>
+              <a:rPr lang="fi-FI" dirty="0" smtClean="0"/>
+              <a:t>Notes </a:t>
+            </a:r>
+            <a:r>
+              <a:rPr lang="en-US" dirty="0" smtClean="0"/>
+              <a:t>page</a:t>
             </a:r>
             <a:endParaRPr lang="en-US" dirty="0"/>
           </a:p>
@@ -15001,14 +15138,59 @@
           <a:bodyPr/>
           <a:lstStyle/>
           <a:p>
-            <a:endParaRPr lang="en-US" dirty="0" smtClean="0"/>
+            <a:r>
+              <a:rPr lang="fi-FI" sz="2800" dirty="0" smtClean="0"/>
+              <a:t>Contains:</a:t>
+            </a:r>
+          </a:p>
+          <a:p>
+            <a:pPr lvl="1"/>
+            <a:r>
+              <a:rPr lang="en-US" sz="2800" dirty="0" smtClean="0"/>
+              <a:t>List of notes</a:t>
+            </a:r>
+          </a:p>
+          <a:p>
+            <a:pPr lvl="1"/>
+            <a:r>
+              <a:rPr lang="en-US" sz="2800" dirty="0" smtClean="0"/>
+              <a:t>Filtering</a:t>
+            </a:r>
+          </a:p>
+          <a:p>
+            <a:r>
+              <a:rPr lang="en-US" sz="3000" dirty="0" smtClean="0"/>
+              <a:t>Responsible</a:t>
+            </a:r>
+            <a:r>
+              <a:rPr lang="fi-FI" sz="3000" dirty="0" smtClean="0"/>
+              <a:t> </a:t>
+            </a:r>
+            <a:r>
+              <a:rPr lang="fi-FI" sz="3000" dirty="0"/>
+              <a:t>person: </a:t>
+            </a:r>
+            <a:r>
+              <a:rPr lang="fi-FI" sz="3000" dirty="0" smtClean="0"/>
+              <a:t>Juho</a:t>
+            </a:r>
+            <a:endParaRPr lang="en-US" sz="3000" dirty="0"/>
+          </a:p>
+          <a:p>
+            <a:pPr marL="0" indent="0">
+              <a:buNone/>
+            </a:pPr>
+            <a:endParaRPr lang="fi-FI" sz="3000" dirty="0" smtClean="0"/>
+          </a:p>
+          <a:p>
+            <a:endParaRPr lang="en-US" dirty="0"/>
           </a:p>
         </p:txBody>
       </p:sp>
     </p:spTree>
     <p:extLst>
       <p:ext uri="{BB962C8B-B14F-4D97-AF65-F5344CB8AC3E}">
-        <p14:creationId xmlns:p14="http://schemas.microsoft.com/office/powerpoint/2010/main" val="2219245645"/>
+        <p14:creationId xmlns:p14="http://schemas.microsoft.com/office/powerpoint/2010/main" val="277678443"/>
       </p:ext>
     </p:extLst>
   </p:cSld>
@@ -15057,7 +15239,11 @@
           <a:bodyPr/>
           <a:lstStyle/>
           <a:p>
-            <a:endParaRPr lang="en-US"/>
+            <a:r>
+              <a:rPr lang="fi-FI" dirty="0" smtClean="0"/>
+              <a:t>Project Resources</a:t>
+            </a:r>
+            <a:endParaRPr lang="en-US" dirty="0"/>
           </a:p>
         </p:txBody>
       </p:sp>
@@ -15073,17 +15259,59 @@
         </p:nvSpPr>
         <p:spPr/>
         <p:txBody>
-          <a:bodyPr/>
+          <a:bodyPr>
+            <a:normAutofit/>
+          </a:bodyPr>
           <a:lstStyle/>
           <a:p>
-            <a:endParaRPr lang="en-US"/>
+            <a:r>
+              <a:rPr lang="en-US" sz="2800" dirty="0" err="1" smtClean="0"/>
+              <a:t>Viivi</a:t>
+            </a:r>
+            <a:r>
+              <a:rPr lang="en-US" sz="2800" dirty="0"/>
+              <a:t> </a:t>
+            </a:r>
+            <a:r>
+              <a:rPr lang="en-US" sz="2800" dirty="0" smtClean="0"/>
+              <a:t>: </a:t>
+            </a:r>
+          </a:p>
+          <a:p>
+            <a:r>
+              <a:rPr lang="en-US" sz="2800" dirty="0" smtClean="0"/>
+              <a:t>Mika : </a:t>
+            </a:r>
+          </a:p>
+          <a:p>
+            <a:r>
+              <a:rPr lang="en-US" sz="2800" dirty="0" err="1" smtClean="0"/>
+              <a:t>Juho</a:t>
+            </a:r>
+            <a:r>
+              <a:rPr lang="en-US" sz="2800" dirty="0" smtClean="0"/>
+              <a:t> :</a:t>
+            </a:r>
+          </a:p>
+          <a:p>
+            <a:r>
+              <a:rPr lang="en-US" sz="2800" dirty="0" smtClean="0"/>
+              <a:t>Teemu : 40,5h (Profile page with interaction 31,5h and 9h documentation)</a:t>
+            </a:r>
+          </a:p>
+          <a:p>
+            <a:r>
+              <a:rPr lang="en-US" sz="2800" dirty="0" smtClean="0"/>
+              <a:t>Total =</a:t>
+            </a:r>
+            <a:endParaRPr lang="en-US" sz="2800" dirty="0" smtClean="0"/>
           </a:p>
         </p:txBody>
       </p:sp>
     </p:spTree>
     <p:extLst>
       <p:ext uri="{BB962C8B-B14F-4D97-AF65-F5344CB8AC3E}">
-        <p14:creationId xmlns:p14="http://schemas.microsoft.com/office/powerpoint/2010/main" val="1239737546"/>
+        <p14:creationId xmlns:p14="http://schemas.microsoft.com/office/powerpoint/2010/main" val="2219245645"/>
       </p:ext>
     </p:extLst>
   </p:cSld>

--- a/Suunnitelma/web_programming.pptx
+++ b/Suunnitelma/web_programming.pptx
@@ -615,7 +615,7 @@
           </a:lstStyle>
           <a:p>
             <a:r>
-              <a:rPr lang="en-US" smtClean="0"/>
+              <a:rPr lang="en-US"/>
               <a:t>Click to edit Master title style</a:t>
             </a:r>
             <a:endParaRPr lang="en-US" dirty="0"/>
@@ -732,7 +732,7 @@
           </a:lstStyle>
           <a:p>
             <a:r>
-              <a:rPr lang="en-US" smtClean="0"/>
+              <a:rPr lang="en-US"/>
               <a:t>Click to edit Master subtitle style</a:t>
             </a:r>
             <a:endParaRPr lang="en-US" dirty="0"/>
@@ -770,7 +770,7 @@
             <a:fld id="{5923F103-BC34-4FE4-A40E-EDDEECFDA5D0}" type="datetimeFigureOut">
               <a:rPr lang="en-US" smtClean="0"/>
               <a:pPr/>
-              <a:t>11/27/16</a:t>
+              <a:t>11/28/2016</a:t>
             </a:fld>
             <a:endParaRPr lang="en-US" dirty="0"/>
           </a:p>
@@ -805,7 +805,7 @@
           </a:lstStyle>
           <a:p>
             <a:r>
-              <a:rPr lang="en-US" smtClean="0"/>
+              <a:rPr lang="en-US"/>
               <a:t>
               </a:t>
             </a:r>
@@ -1722,7 +1722,7 @@
           </a:lstStyle>
           <a:p>
             <a:r>
-              <a:rPr lang="en-US" smtClean="0"/>
+              <a:rPr lang="en-US"/>
               <a:t>Click to edit Master title style</a:t>
             </a:r>
             <a:endParaRPr lang="en-US" dirty="0"/>
@@ -1801,7 +1801,7 @@
           </a:lstStyle>
           <a:p>
             <a:r>
-              <a:rPr lang="en-US" smtClean="0"/>
+              <a:rPr lang="en-US"/>
               <a:t>Click icon to add picture</a:t>
             </a:r>
             <a:endParaRPr lang="en-US" dirty="0"/>
@@ -1873,7 +1873,7 @@
           <a:p>
             <a:pPr lvl="0"/>
             <a:r>
-              <a:rPr lang="en-US" smtClean="0"/>
+              <a:rPr lang="en-US"/>
               <a:t>Edit Master text styles</a:t>
             </a:r>
           </a:p>
@@ -1896,7 +1896,7 @@
           <a:p>
             <a:fld id="{923A1CC3-2375-41D4-9E03-427CAF2A4C1A}" type="datetimeFigureOut">
               <a:rPr lang="en-US" smtClean="0"/>
-              <a:t>11/27/16</a:t>
+              <a:t>11/28/2016</a:t>
             </a:fld>
             <a:endParaRPr lang="en-US" dirty="0"/>
           </a:p>
@@ -1918,7 +1918,7 @@
           <a:lstStyle/>
           <a:p>
             <a:r>
-              <a:rPr lang="en-US" smtClean="0"/>
+              <a:rPr lang="en-US"/>
               <a:t>
               </a:t>
             </a:r>
@@ -2822,7 +2822,7 @@
           </a:lstStyle>
           <a:p>
             <a:r>
-              <a:rPr lang="en-US" smtClean="0"/>
+              <a:rPr lang="en-US"/>
               <a:t>Click to edit Master title style</a:t>
             </a:r>
             <a:endParaRPr lang="en-US" dirty="0"/>
@@ -2890,7 +2890,7 @@
           <a:p>
             <a:pPr lvl="0"/>
             <a:r>
-              <a:rPr lang="en-US" smtClean="0"/>
+              <a:rPr lang="en-US"/>
               <a:t>Edit Master text styles</a:t>
             </a:r>
           </a:p>
@@ -2913,7 +2913,7 @@
           <a:p>
             <a:fld id="{AFF16868-8199-4C2C-A5B1-63AEE139F88E}" type="datetimeFigureOut">
               <a:rPr lang="en-US" smtClean="0"/>
-              <a:t>11/27/16</a:t>
+              <a:t>11/28/2016</a:t>
             </a:fld>
             <a:endParaRPr lang="en-US" dirty="0"/>
           </a:p>
@@ -2935,7 +2935,7 @@
           <a:lstStyle/>
           <a:p>
             <a:r>
-              <a:rPr lang="en-US" smtClean="0"/>
+              <a:rPr lang="en-US"/>
               <a:t>
               </a:t>
             </a:r>
@@ -3925,7 +3925,7 @@
           </a:lstStyle>
           <a:p>
             <a:r>
-              <a:rPr lang="en-US" smtClean="0"/>
+              <a:rPr lang="en-US"/>
               <a:t>Click to edit Master title style</a:t>
             </a:r>
             <a:endParaRPr lang="en-US" dirty="0"/>
@@ -3999,7 +3999,7 @@
           <a:p>
             <a:pPr lvl="0"/>
             <a:r>
-              <a:rPr lang="en-US" smtClean="0"/>
+              <a:rPr lang="en-US"/>
               <a:t>Edit Master text styles</a:t>
             </a:r>
           </a:p>
@@ -4066,7 +4066,7 @@
           <a:p>
             <a:pPr lvl="0"/>
             <a:r>
-              <a:rPr lang="en-US" smtClean="0"/>
+              <a:rPr lang="en-US"/>
               <a:t>Edit Master text styles</a:t>
             </a:r>
           </a:p>
@@ -4089,7 +4089,7 @@
           <a:p>
             <a:fld id="{AAD9FF7F-6988-44CC-821B-644E70CD2F73}" type="datetimeFigureOut">
               <a:rPr lang="en-US" smtClean="0"/>
-              <a:t>11/27/16</a:t>
+              <a:t>11/28/2016</a:t>
             </a:fld>
             <a:endParaRPr lang="en-US" dirty="0"/>
           </a:p>
@@ -4111,7 +4111,7 @@
           <a:lstStyle/>
           <a:p>
             <a:r>
-              <a:rPr lang="en-US" smtClean="0"/>
+              <a:rPr lang="en-US"/>
               <a:t>
               </a:t>
             </a:r>
@@ -5015,7 +5015,7 @@
           </a:lstStyle>
           <a:p>
             <a:r>
-              <a:rPr lang="en-US" smtClean="0"/>
+              <a:rPr lang="en-US"/>
               <a:t>Click to edit Master title style</a:t>
             </a:r>
             <a:endParaRPr lang="en-US" dirty="0"/>
@@ -5133,7 +5133,7 @@
           <a:p>
             <a:pPr lvl="0"/>
             <a:r>
-              <a:rPr lang="en-US" smtClean="0"/>
+              <a:rPr lang="en-US"/>
               <a:t>Edit Master text styles</a:t>
             </a:r>
           </a:p>
@@ -5156,7 +5156,7 @@
           <a:p>
             <a:fld id="{5C12C299-16B2-4475-990D-751901EACC14}" type="datetimeFigureOut">
               <a:rPr lang="en-US" smtClean="0"/>
-              <a:t>11/27/16</a:t>
+              <a:t>11/28/2016</a:t>
             </a:fld>
             <a:endParaRPr lang="en-US" dirty="0"/>
           </a:p>
@@ -5178,7 +5178,7 @@
           <a:lstStyle/>
           <a:p>
             <a:r>
-              <a:rPr lang="en-US" smtClean="0"/>
+              <a:rPr lang="en-US"/>
               <a:t>
               </a:t>
             </a:r>
@@ -5296,7 +5296,7 @@
           </a:lstStyle>
           <a:p>
             <a:r>
-              <a:rPr lang="en-US" smtClean="0"/>
+              <a:rPr lang="en-US"/>
               <a:t>Click to edit Master title style</a:t>
             </a:r>
             <a:endParaRPr lang="en-US" dirty="0"/>
@@ -5368,7 +5368,7 @@
           <a:p>
             <a:pPr lvl="0"/>
             <a:r>
-              <a:rPr lang="en-US" smtClean="0"/>
+              <a:rPr lang="en-US"/>
               <a:t>Edit Master text styles</a:t>
             </a:r>
           </a:p>
@@ -5435,7 +5435,7 @@
           <a:p>
             <a:pPr lvl="0"/>
             <a:r>
-              <a:rPr lang="en-US" smtClean="0"/>
+              <a:rPr lang="en-US"/>
               <a:t>Edit Master text styles</a:t>
             </a:r>
           </a:p>
@@ -5506,7 +5506,7 @@
           <a:p>
             <a:pPr lvl="0"/>
             <a:r>
-              <a:rPr lang="en-US" smtClean="0"/>
+              <a:rPr lang="en-US"/>
               <a:t>Edit Master text styles</a:t>
             </a:r>
           </a:p>
@@ -5573,7 +5573,7 @@
           <a:p>
             <a:pPr lvl="0"/>
             <a:r>
-              <a:rPr lang="en-US" smtClean="0"/>
+              <a:rPr lang="en-US"/>
               <a:t>Edit Master text styles</a:t>
             </a:r>
           </a:p>
@@ -5644,7 +5644,7 @@
           <a:p>
             <a:pPr lvl="0"/>
             <a:r>
-              <a:rPr lang="en-US" smtClean="0"/>
+              <a:rPr lang="en-US"/>
               <a:t>Edit Master text styles</a:t>
             </a:r>
           </a:p>
@@ -5711,7 +5711,7 @@
           <a:p>
             <a:pPr lvl="0"/>
             <a:r>
-              <a:rPr lang="en-US" smtClean="0"/>
+              <a:rPr lang="en-US"/>
               <a:t>Edit Master text styles</a:t>
             </a:r>
           </a:p>
@@ -5808,7 +5808,7 @@
           <a:p>
             <a:fld id="{9FE86839-B9D8-4651-8783-F325ECE74E65}" type="datetimeFigureOut">
               <a:rPr lang="en-US" smtClean="0"/>
-              <a:t>11/27/16</a:t>
+              <a:t>11/28/2016</a:t>
             </a:fld>
             <a:endParaRPr lang="en-US" dirty="0"/>
           </a:p>
@@ -5830,7 +5830,7 @@
           <a:lstStyle/>
           <a:p>
             <a:r>
-              <a:rPr lang="en-US" smtClean="0"/>
+              <a:rPr lang="en-US"/>
               <a:t>
               </a:t>
             </a:r>
@@ -5912,7 +5912,7 @@
           </a:lstStyle>
           <a:p>
             <a:r>
-              <a:rPr lang="en-US" smtClean="0"/>
+              <a:rPr lang="en-US"/>
               <a:t>Click to edit Master title style</a:t>
             </a:r>
             <a:endParaRPr lang="en-US" dirty="0"/>
@@ -5984,7 +5984,7 @@
           <a:p>
             <a:pPr lvl="0"/>
             <a:r>
-              <a:rPr lang="en-US" smtClean="0"/>
+              <a:rPr lang="en-US"/>
               <a:t>Edit Master text styles</a:t>
             </a:r>
           </a:p>
@@ -6062,7 +6062,7 @@
           </a:lstStyle>
           <a:p>
             <a:r>
-              <a:rPr lang="en-US" smtClean="0"/>
+              <a:rPr lang="en-US"/>
               <a:t>Click icon to add picture</a:t>
             </a:r>
             <a:endParaRPr lang="en-US" dirty="0"/>
@@ -6130,7 +6130,7 @@
           <a:p>
             <a:pPr lvl="0"/>
             <a:r>
-              <a:rPr lang="en-US" smtClean="0"/>
+              <a:rPr lang="en-US"/>
               <a:t>Edit Master text styles</a:t>
             </a:r>
           </a:p>
@@ -6201,7 +6201,7 @@
           <a:p>
             <a:pPr lvl="0"/>
             <a:r>
-              <a:rPr lang="en-US" smtClean="0"/>
+              <a:rPr lang="en-US"/>
               <a:t>Edit Master text styles</a:t>
             </a:r>
           </a:p>
@@ -6279,7 +6279,7 @@
           </a:lstStyle>
           <a:p>
             <a:r>
-              <a:rPr lang="en-US" smtClean="0"/>
+              <a:rPr lang="en-US"/>
               <a:t>Click icon to add picture</a:t>
             </a:r>
             <a:endParaRPr lang="en-US" dirty="0"/>
@@ -6347,7 +6347,7 @@
           <a:p>
             <a:pPr lvl="0"/>
             <a:r>
-              <a:rPr lang="en-US" smtClean="0"/>
+              <a:rPr lang="en-US"/>
               <a:t>Edit Master text styles</a:t>
             </a:r>
           </a:p>
@@ -6418,7 +6418,7 @@
           <a:p>
             <a:pPr lvl="0"/>
             <a:r>
-              <a:rPr lang="en-US" smtClean="0"/>
+              <a:rPr lang="en-US"/>
               <a:t>Edit Master text styles</a:t>
             </a:r>
           </a:p>
@@ -6496,7 +6496,7 @@
           </a:lstStyle>
           <a:p>
             <a:r>
-              <a:rPr lang="en-US" smtClean="0"/>
+              <a:rPr lang="en-US"/>
               <a:t>Click icon to add picture</a:t>
             </a:r>
             <a:endParaRPr lang="en-US" dirty="0"/>
@@ -6564,7 +6564,7 @@
           <a:p>
             <a:pPr lvl="0"/>
             <a:r>
-              <a:rPr lang="en-US" smtClean="0"/>
+              <a:rPr lang="en-US"/>
               <a:t>Edit Master text styles</a:t>
             </a:r>
           </a:p>
@@ -6661,7 +6661,7 @@
           <a:p>
             <a:fld id="{FD484F64-32F6-45C5-931F-ADC1662401D0}" type="datetimeFigureOut">
               <a:rPr lang="en-US" smtClean="0"/>
-              <a:t>11/27/16</a:t>
+              <a:t>11/28/2016</a:t>
             </a:fld>
             <a:endParaRPr lang="en-US" dirty="0"/>
           </a:p>
@@ -6683,7 +6683,7 @@
           <a:lstStyle/>
           <a:p>
             <a:r>
-              <a:rPr lang="en-US" smtClean="0"/>
+              <a:rPr lang="en-US"/>
               <a:t>
               </a:t>
             </a:r>
@@ -6766,7 +6766,7 @@
           <a:lstStyle/>
           <a:p>
             <a:r>
-              <a:rPr lang="en-US" smtClean="0"/>
+              <a:rPr lang="en-US"/>
               <a:t>Click to edit Master title style</a:t>
             </a:r>
             <a:endParaRPr lang="en-US" dirty="0"/>
@@ -6790,35 +6790,35 @@
           <a:p>
             <a:pPr lvl="0"/>
             <a:r>
-              <a:rPr lang="en-US" smtClean="0"/>
+              <a:rPr lang="en-US"/>
               <a:t>Edit Master text styles</a:t>
             </a:r>
           </a:p>
           <a:p>
             <a:pPr lvl="1"/>
             <a:r>
-              <a:rPr lang="en-US" smtClean="0"/>
+              <a:rPr lang="en-US"/>
               <a:t>Second level</a:t>
             </a:r>
           </a:p>
           <a:p>
             <a:pPr lvl="2"/>
             <a:r>
-              <a:rPr lang="en-US" smtClean="0"/>
+              <a:rPr lang="en-US"/>
               <a:t>Third level</a:t>
             </a:r>
           </a:p>
           <a:p>
             <a:pPr lvl="3"/>
             <a:r>
-              <a:rPr lang="en-US" smtClean="0"/>
+              <a:rPr lang="en-US"/>
               <a:t>Fourth level</a:t>
             </a:r>
           </a:p>
           <a:p>
             <a:pPr lvl="4"/>
             <a:r>
-              <a:rPr lang="en-US" smtClean="0"/>
+              <a:rPr lang="en-US"/>
               <a:t>Fifth level</a:t>
             </a:r>
             <a:endParaRPr lang="en-US" dirty="0"/>
@@ -6842,7 +6842,7 @@
           <a:p>
             <a:fld id="{53086D93-FCAC-47E0-A2EE-787E62CA814C}" type="datetimeFigureOut">
               <a:rPr lang="en-US" smtClean="0"/>
-              <a:t>11/27/16</a:t>
+              <a:t>11/28/2016</a:t>
             </a:fld>
             <a:endParaRPr lang="en-US" dirty="0"/>
           </a:p>
@@ -6864,7 +6864,7 @@
           <a:lstStyle/>
           <a:p>
             <a:r>
-              <a:rPr lang="en-US" smtClean="0"/>
+              <a:rPr lang="en-US"/>
               <a:t>
               </a:t>
             </a:r>
@@ -7765,7 +7765,7 @@
           <a:lstStyle/>
           <a:p>
             <a:r>
-              <a:rPr lang="en-US" smtClean="0"/>
+              <a:rPr lang="en-US"/>
               <a:t>Click to edit Master title style</a:t>
             </a:r>
             <a:endParaRPr lang="en-US" dirty="0"/>
@@ -7794,35 +7794,35 @@
           <a:p>
             <a:pPr lvl="0"/>
             <a:r>
-              <a:rPr lang="en-US" smtClean="0"/>
+              <a:rPr lang="en-US"/>
               <a:t>Edit Master text styles</a:t>
             </a:r>
           </a:p>
           <a:p>
             <a:pPr lvl="1"/>
             <a:r>
-              <a:rPr lang="en-US" smtClean="0"/>
+              <a:rPr lang="en-US"/>
               <a:t>Second level</a:t>
             </a:r>
           </a:p>
           <a:p>
             <a:pPr lvl="2"/>
             <a:r>
-              <a:rPr lang="en-US" smtClean="0"/>
+              <a:rPr lang="en-US"/>
               <a:t>Third level</a:t>
             </a:r>
           </a:p>
           <a:p>
             <a:pPr lvl="3"/>
             <a:r>
-              <a:rPr lang="en-US" smtClean="0"/>
+              <a:rPr lang="en-US"/>
               <a:t>Fourth level</a:t>
             </a:r>
           </a:p>
           <a:p>
             <a:pPr lvl="4"/>
             <a:r>
-              <a:rPr lang="en-US" smtClean="0"/>
+              <a:rPr lang="en-US"/>
               <a:t>Fifth level</a:t>
             </a:r>
             <a:endParaRPr lang="en-US" dirty="0"/>
@@ -7846,7 +7846,7 @@
           <a:p>
             <a:fld id="{CDA879A6-0FD0-4734-A311-86BFCA472E6E}" type="datetimeFigureOut">
               <a:rPr lang="en-US" smtClean="0"/>
-              <a:t>11/27/16</a:t>
+              <a:t>11/28/2016</a:t>
             </a:fld>
             <a:endParaRPr lang="en-US" dirty="0"/>
           </a:p>
@@ -7868,7 +7868,7 @@
           <a:lstStyle/>
           <a:p>
             <a:r>
-              <a:rPr lang="en-US" smtClean="0"/>
+              <a:rPr lang="en-US"/>
               <a:t>
               </a:t>
             </a:r>
@@ -7982,7 +7982,7 @@
           <a:lstStyle/>
           <a:p>
             <a:r>
-              <a:rPr lang="en-US" smtClean="0"/>
+              <a:rPr lang="en-US"/>
               <a:t>Click to edit Master title style</a:t>
             </a:r>
             <a:endParaRPr lang="en-US" dirty="0"/>
@@ -8006,35 +8006,35 @@
           <a:p>
             <a:pPr lvl="0"/>
             <a:r>
-              <a:rPr lang="en-US" smtClean="0"/>
+              <a:rPr lang="en-US"/>
               <a:t>Edit Master text styles</a:t>
             </a:r>
           </a:p>
           <a:p>
             <a:pPr lvl="1"/>
             <a:r>
-              <a:rPr lang="en-US" smtClean="0"/>
+              <a:rPr lang="en-US"/>
               <a:t>Second level</a:t>
             </a:r>
           </a:p>
           <a:p>
             <a:pPr lvl="2"/>
             <a:r>
-              <a:rPr lang="en-US" smtClean="0"/>
+              <a:rPr lang="en-US"/>
               <a:t>Third level</a:t>
             </a:r>
           </a:p>
           <a:p>
             <a:pPr lvl="3"/>
             <a:r>
-              <a:rPr lang="en-US" smtClean="0"/>
+              <a:rPr lang="en-US"/>
               <a:t>Fourth level</a:t>
             </a:r>
           </a:p>
           <a:p>
             <a:pPr lvl="4"/>
             <a:r>
-              <a:rPr lang="en-US" smtClean="0"/>
+              <a:rPr lang="en-US"/>
               <a:t>Fifth level</a:t>
             </a:r>
             <a:endParaRPr lang="en-US" dirty="0"/>
@@ -8058,7 +8058,7 @@
           <a:p>
             <a:fld id="{19C9CA7B-DFD4-44B5-8C60-D14B8CD1FB59}" type="datetimeFigureOut">
               <a:rPr lang="en-US" smtClean="0"/>
-              <a:t>11/27/16</a:t>
+              <a:t>11/28/2016</a:t>
             </a:fld>
             <a:endParaRPr lang="en-US" dirty="0"/>
           </a:p>
@@ -8080,7 +8080,7 @@
           <a:lstStyle/>
           <a:p>
             <a:r>
-              <a:rPr lang="en-US" smtClean="0"/>
+              <a:rPr lang="en-US"/>
               <a:t>
               </a:t>
             </a:r>
@@ -8985,7 +8985,7 @@
           </a:lstStyle>
           <a:p>
             <a:r>
-              <a:rPr lang="en-US" smtClean="0"/>
+              <a:rPr lang="en-US"/>
               <a:t>Click to edit Master title style</a:t>
             </a:r>
             <a:endParaRPr lang="en-US" dirty="0"/>
@@ -9103,7 +9103,7 @@
           <a:p>
             <a:pPr lvl="0"/>
             <a:r>
-              <a:rPr lang="en-US" smtClean="0"/>
+              <a:rPr lang="en-US"/>
               <a:t>Edit Master text styles</a:t>
             </a:r>
           </a:p>
@@ -9126,7 +9126,7 @@
           <a:p>
             <a:fld id="{F34E6425-0181-43F2-84FC-787E803FD2F8}" type="datetimeFigureOut">
               <a:rPr lang="en-US" smtClean="0"/>
-              <a:t>11/27/16</a:t>
+              <a:t>11/28/2016</a:t>
             </a:fld>
             <a:endParaRPr lang="en-US" dirty="0"/>
           </a:p>
@@ -9148,7 +9148,7 @@
           <a:lstStyle/>
           <a:p>
             <a:r>
-              <a:rPr lang="en-US" smtClean="0"/>
+              <a:rPr lang="en-US"/>
               <a:t>
               </a:t>
             </a:r>
@@ -9262,7 +9262,7 @@
           <a:lstStyle/>
           <a:p>
             <a:r>
-              <a:rPr lang="en-US" smtClean="0"/>
+              <a:rPr lang="en-US"/>
               <a:t>Click to edit Master title style</a:t>
             </a:r>
             <a:endParaRPr lang="en-US" dirty="0"/>
@@ -9293,35 +9293,35 @@
           <a:p>
             <a:pPr lvl="0"/>
             <a:r>
-              <a:rPr lang="en-US" smtClean="0"/>
+              <a:rPr lang="en-US"/>
               <a:t>Edit Master text styles</a:t>
             </a:r>
           </a:p>
           <a:p>
             <a:pPr lvl="1"/>
             <a:r>
-              <a:rPr lang="en-US" smtClean="0"/>
+              <a:rPr lang="en-US"/>
               <a:t>Second level</a:t>
             </a:r>
           </a:p>
           <a:p>
             <a:pPr lvl="2"/>
             <a:r>
-              <a:rPr lang="en-US" smtClean="0"/>
+              <a:rPr lang="en-US"/>
               <a:t>Third level</a:t>
             </a:r>
           </a:p>
           <a:p>
             <a:pPr lvl="3"/>
             <a:r>
-              <a:rPr lang="en-US" smtClean="0"/>
+              <a:rPr lang="en-US"/>
               <a:t>Fourth level</a:t>
             </a:r>
           </a:p>
           <a:p>
             <a:pPr lvl="4"/>
             <a:r>
-              <a:rPr lang="en-US" smtClean="0"/>
+              <a:rPr lang="en-US"/>
               <a:t>Fifth level</a:t>
             </a:r>
             <a:endParaRPr lang="en-US" dirty="0"/>
@@ -9352,35 +9352,35 @@
           <a:p>
             <a:pPr lvl="0"/>
             <a:r>
-              <a:rPr lang="en-US" smtClean="0"/>
+              <a:rPr lang="en-US"/>
               <a:t>Edit Master text styles</a:t>
             </a:r>
           </a:p>
           <a:p>
             <a:pPr lvl="1"/>
             <a:r>
-              <a:rPr lang="en-US" smtClean="0"/>
+              <a:rPr lang="en-US"/>
               <a:t>Second level</a:t>
             </a:r>
           </a:p>
           <a:p>
             <a:pPr lvl="2"/>
             <a:r>
-              <a:rPr lang="en-US" smtClean="0"/>
+              <a:rPr lang="en-US"/>
               <a:t>Third level</a:t>
             </a:r>
           </a:p>
           <a:p>
             <a:pPr lvl="3"/>
             <a:r>
-              <a:rPr lang="en-US" smtClean="0"/>
+              <a:rPr lang="en-US"/>
               <a:t>Fourth level</a:t>
             </a:r>
           </a:p>
           <a:p>
             <a:pPr lvl="4"/>
             <a:r>
-              <a:rPr lang="en-US" smtClean="0"/>
+              <a:rPr lang="en-US"/>
               <a:t>Fifth level</a:t>
             </a:r>
             <a:endParaRPr lang="en-US" dirty="0"/>
@@ -9404,7 +9404,7 @@
           <a:p>
             <a:fld id="{3BDB8791-F1B0-41E7-B7FD-A781E65C4266}" type="datetimeFigureOut">
               <a:rPr lang="en-US" smtClean="0"/>
-              <a:t>11/27/16</a:t>
+              <a:t>11/28/2016</a:t>
             </a:fld>
             <a:endParaRPr lang="en-US" dirty="0"/>
           </a:p>
@@ -9426,7 +9426,7 @@
           <a:lstStyle/>
           <a:p>
             <a:r>
-              <a:rPr lang="en-US" smtClean="0"/>
+              <a:rPr lang="en-US"/>
               <a:t>
               </a:t>
             </a:r>
@@ -9508,7 +9508,7 @@
           </a:lstStyle>
           <a:p>
             <a:r>
-              <a:rPr lang="en-US" smtClean="0"/>
+              <a:rPr lang="en-US"/>
               <a:t>Click to edit Master title style</a:t>
             </a:r>
             <a:endParaRPr lang="en-US" dirty="0"/>
@@ -9580,7 +9580,7 @@
           <a:p>
             <a:pPr lvl="0"/>
             <a:r>
-              <a:rPr lang="en-US" smtClean="0"/>
+              <a:rPr lang="en-US"/>
               <a:t>Edit Master text styles</a:t>
             </a:r>
           </a:p>
@@ -9610,35 +9610,35 @@
           <a:p>
             <a:pPr lvl="0"/>
             <a:r>
-              <a:rPr lang="en-US" smtClean="0"/>
+              <a:rPr lang="en-US"/>
               <a:t>Edit Master text styles</a:t>
             </a:r>
           </a:p>
           <a:p>
             <a:pPr lvl="1"/>
             <a:r>
-              <a:rPr lang="en-US" smtClean="0"/>
+              <a:rPr lang="en-US"/>
               <a:t>Second level</a:t>
             </a:r>
           </a:p>
           <a:p>
             <a:pPr lvl="2"/>
             <a:r>
-              <a:rPr lang="en-US" smtClean="0"/>
+              <a:rPr lang="en-US"/>
               <a:t>Third level</a:t>
             </a:r>
           </a:p>
           <a:p>
             <a:pPr lvl="3"/>
             <a:r>
-              <a:rPr lang="en-US" smtClean="0"/>
+              <a:rPr lang="en-US"/>
               <a:t>Fourth level</a:t>
             </a:r>
           </a:p>
           <a:p>
             <a:pPr lvl="4"/>
             <a:r>
-              <a:rPr lang="en-US" smtClean="0"/>
+              <a:rPr lang="en-US"/>
               <a:t>Fifth level</a:t>
             </a:r>
             <a:endParaRPr lang="en-US" dirty="0"/>
@@ -9710,7 +9710,7 @@
           <a:p>
             <a:pPr lvl="0"/>
             <a:r>
-              <a:rPr lang="en-US" smtClean="0"/>
+              <a:rPr lang="en-US"/>
               <a:t>Edit Master text styles</a:t>
             </a:r>
           </a:p>
@@ -9740,35 +9740,35 @@
           <a:p>
             <a:pPr lvl="0"/>
             <a:r>
-              <a:rPr lang="en-US" smtClean="0"/>
+              <a:rPr lang="en-US"/>
               <a:t>Edit Master text styles</a:t>
             </a:r>
           </a:p>
           <a:p>
             <a:pPr lvl="1"/>
             <a:r>
-              <a:rPr lang="en-US" smtClean="0"/>
+              <a:rPr lang="en-US"/>
               <a:t>Second level</a:t>
             </a:r>
           </a:p>
           <a:p>
             <a:pPr lvl="2"/>
             <a:r>
-              <a:rPr lang="en-US" smtClean="0"/>
+              <a:rPr lang="en-US"/>
               <a:t>Third level</a:t>
             </a:r>
           </a:p>
           <a:p>
             <a:pPr lvl="3"/>
             <a:r>
-              <a:rPr lang="en-US" smtClean="0"/>
+              <a:rPr lang="en-US"/>
               <a:t>Fourth level</a:t>
             </a:r>
           </a:p>
           <a:p>
             <a:pPr lvl="4"/>
             <a:r>
-              <a:rPr lang="en-US" smtClean="0"/>
+              <a:rPr lang="en-US"/>
               <a:t>Fifth level</a:t>
             </a:r>
             <a:endParaRPr lang="en-US" dirty="0"/>
@@ -9792,7 +9792,7 @@
           <a:p>
             <a:fld id="{5FDD63B2-E120-4ED8-B27B-C685F510A5FE}" type="datetimeFigureOut">
               <a:rPr lang="en-US" smtClean="0"/>
-              <a:t>11/27/16</a:t>
+              <a:t>11/28/2016</a:t>
             </a:fld>
             <a:endParaRPr lang="en-US" dirty="0"/>
           </a:p>
@@ -9814,7 +9814,7 @@
           <a:lstStyle/>
           <a:p>
             <a:r>
-              <a:rPr lang="en-US" smtClean="0"/>
+              <a:rPr lang="en-US"/>
               <a:t>
               </a:t>
             </a:r>
@@ -9892,7 +9892,7 @@
           <a:lstStyle/>
           <a:p>
             <a:r>
-              <a:rPr lang="en-US" smtClean="0"/>
+              <a:rPr lang="en-US"/>
               <a:t>Click to edit Master title style</a:t>
             </a:r>
             <a:endParaRPr lang="en-US" dirty="0"/>
@@ -9916,7 +9916,7 @@
           <a:p>
             <a:fld id="{7AA18ACC-A947-437B-A130-35BD54FDF1E9}" type="datetimeFigureOut">
               <a:rPr lang="en-US" smtClean="0"/>
-              <a:t>11/27/16</a:t>
+              <a:t>11/28/2016</a:t>
             </a:fld>
             <a:endParaRPr lang="en-US" dirty="0"/>
           </a:p>
@@ -9938,7 +9938,7 @@
           <a:lstStyle/>
           <a:p>
             <a:r>
-              <a:rPr lang="en-US" smtClean="0"/>
+              <a:rPr lang="en-US"/>
               <a:t>
               </a:t>
             </a:r>
@@ -10017,7 +10017,7 @@
           <a:p>
             <a:fld id="{7C8D7E02-BCB8-4D50-A234-369438C08659}" type="datetimeFigureOut">
               <a:rPr lang="en-US" smtClean="0"/>
-              <a:t>11/27/16</a:t>
+              <a:t>11/28/2016</a:t>
             </a:fld>
             <a:endParaRPr lang="en-US" dirty="0"/>
           </a:p>
@@ -10039,7 +10039,7 @@
           <a:lstStyle/>
           <a:p>
             <a:r>
-              <a:rPr lang="en-US" smtClean="0"/>
+              <a:rPr lang="en-US"/>
               <a:t>
               </a:t>
             </a:r>
@@ -10980,7 +10980,7 @@
           </a:lstStyle>
           <a:p>
             <a:r>
-              <a:rPr lang="en-US" smtClean="0"/>
+              <a:rPr lang="en-US"/>
               <a:t>Click to edit Master title style</a:t>
             </a:r>
             <a:endParaRPr lang="en-US" dirty="0"/>
@@ -11011,35 +11011,35 @@
           <a:p>
             <a:pPr lvl="0"/>
             <a:r>
-              <a:rPr lang="en-US" smtClean="0"/>
+              <a:rPr lang="en-US"/>
               <a:t>Edit Master text styles</a:t>
             </a:r>
           </a:p>
           <a:p>
             <a:pPr lvl="1"/>
             <a:r>
-              <a:rPr lang="en-US" smtClean="0"/>
+              <a:rPr lang="en-US"/>
               <a:t>Second level</a:t>
             </a:r>
           </a:p>
           <a:p>
             <a:pPr lvl="2"/>
             <a:r>
-              <a:rPr lang="en-US" smtClean="0"/>
+              <a:rPr lang="en-US"/>
               <a:t>Third level</a:t>
             </a:r>
           </a:p>
           <a:p>
             <a:pPr lvl="3"/>
             <a:r>
-              <a:rPr lang="en-US" smtClean="0"/>
+              <a:rPr lang="en-US"/>
               <a:t>Fourth level</a:t>
             </a:r>
           </a:p>
           <a:p>
             <a:pPr lvl="4"/>
             <a:r>
-              <a:rPr lang="en-US" smtClean="0"/>
+              <a:rPr lang="en-US"/>
               <a:t>Fifth level</a:t>
             </a:r>
             <a:endParaRPr lang="en-US" dirty="0"/>
@@ -11109,7 +11109,7 @@
           <a:p>
             <a:pPr lvl="0"/>
             <a:r>
-              <a:rPr lang="en-US" smtClean="0"/>
+              <a:rPr lang="en-US"/>
               <a:t>Edit Master text styles</a:t>
             </a:r>
           </a:p>
@@ -11132,7 +11132,7 @@
           <a:p>
             <a:fld id="{76E86A4C-8E40-4F87-A4F0-01A0687C5742}" type="datetimeFigureOut">
               <a:rPr lang="en-US" smtClean="0"/>
-              <a:t>11/27/16</a:t>
+              <a:t>11/28/2016</a:t>
             </a:fld>
             <a:endParaRPr lang="en-US" dirty="0"/>
           </a:p>
@@ -11154,7 +11154,7 @@
           <a:lstStyle/>
           <a:p>
             <a:r>
-              <a:rPr lang="en-US" smtClean="0"/>
+              <a:rPr lang="en-US"/>
               <a:t>
               </a:t>
             </a:r>
@@ -12097,7 +12097,7 @@
           </a:lstStyle>
           <a:p>
             <a:r>
-              <a:rPr lang="en-US" smtClean="0"/>
+              <a:rPr lang="en-US"/>
               <a:t>Click to edit Master title style</a:t>
             </a:r>
             <a:endParaRPr lang="en-US" dirty="0"/>
@@ -12176,7 +12176,7 @@
           </a:lstStyle>
           <a:p>
             <a:r>
-              <a:rPr lang="en-US" smtClean="0"/>
+              <a:rPr lang="en-US"/>
               <a:t>Click icon to add picture</a:t>
             </a:r>
             <a:endParaRPr lang="en-US" dirty="0"/>
@@ -12248,7 +12248,7 @@
           <a:p>
             <a:pPr lvl="0"/>
             <a:r>
-              <a:rPr lang="en-US" smtClean="0"/>
+              <a:rPr lang="en-US"/>
               <a:t>Edit Master text styles</a:t>
             </a:r>
           </a:p>
@@ -12271,7 +12271,7 @@
           <a:p>
             <a:fld id="{35E72C73-2D91-4E12-BA25-F0AA0C03599B}" type="datetimeFigureOut">
               <a:rPr lang="en-US" smtClean="0"/>
-              <a:t>11/27/16</a:t>
+              <a:t>11/28/2016</a:t>
             </a:fld>
             <a:endParaRPr lang="en-US" dirty="0"/>
           </a:p>
@@ -12293,7 +12293,7 @@
           <a:lstStyle/>
           <a:p>
             <a:r>
-              <a:rPr lang="en-US" smtClean="0"/>
+              <a:rPr lang="en-US"/>
               <a:t>
               </a:t>
             </a:r>
@@ -13203,7 +13203,7 @@
           <a:lstStyle/>
           <a:p>
             <a:r>
-              <a:rPr lang="en-US" smtClean="0"/>
+              <a:rPr lang="en-US"/>
               <a:t>Click to edit Master title style</a:t>
             </a:r>
             <a:endParaRPr lang="en-US" dirty="0"/>
@@ -13237,35 +13237,35 @@
           <a:p>
             <a:pPr lvl="0"/>
             <a:r>
-              <a:rPr lang="en-US" smtClean="0"/>
+              <a:rPr lang="en-US"/>
               <a:t>Edit Master text styles</a:t>
             </a:r>
           </a:p>
           <a:p>
             <a:pPr lvl="1"/>
             <a:r>
-              <a:rPr lang="en-US" smtClean="0"/>
+              <a:rPr lang="en-US"/>
               <a:t>Second level</a:t>
             </a:r>
           </a:p>
           <a:p>
             <a:pPr lvl="2"/>
             <a:r>
-              <a:rPr lang="en-US" smtClean="0"/>
+              <a:rPr lang="en-US"/>
               <a:t>Third level</a:t>
             </a:r>
           </a:p>
           <a:p>
             <a:pPr lvl="3"/>
             <a:r>
-              <a:rPr lang="en-US" smtClean="0"/>
+              <a:rPr lang="en-US"/>
               <a:t>Fourth level</a:t>
             </a:r>
           </a:p>
           <a:p>
             <a:pPr lvl="4"/>
             <a:r>
-              <a:rPr lang="en-US" smtClean="0"/>
+              <a:rPr lang="en-US"/>
               <a:t>Fifth level</a:t>
             </a:r>
             <a:endParaRPr lang="en-US" dirty="0"/>
@@ -13305,7 +13305,7 @@
           <a:p>
             <a:fld id="{2BE451C3-0FF4-47C4-B829-773ADF60F88C}" type="datetimeFigureOut">
               <a:rPr lang="en-US" smtClean="0"/>
-              <a:t>11/27/16</a:t>
+              <a:t>11/28/2016</a:t>
             </a:fld>
             <a:endParaRPr lang="en-US" dirty="0"/>
           </a:p>
@@ -13344,7 +13344,7 @@
           </a:lstStyle>
           <a:p>
             <a:r>
-              <a:rPr lang="en-US" smtClean="0"/>
+              <a:rPr lang="en-US"/>
               <a:t>
               </a:t>
             </a:r>
@@ -13913,62 +13913,58 @@
           <a:lstStyle/>
           <a:p>
             <a:r>
-              <a:rPr lang="fi-FI" dirty="0" smtClean="0"/>
-              <a:t>Web-Programming </a:t>
-            </a:r>
-            <a:r>
-              <a:rPr lang="fi-FI" dirty="0" smtClean="0"/>
-              <a:t>– Project </a:t>
-            </a:r>
-            <a:r>
-              <a:rPr lang="fi-FI" dirty="0" err="1" smtClean="0"/>
+              <a:rPr lang="fi-FI" dirty="0"/>
+              <a:t>Web-Programming – Project </a:t>
+            </a:r>
+            <a:r>
+              <a:rPr lang="fi-FI" dirty="0" err="1"/>
               <a:t>work</a:t>
             </a:r>
-            <a:endParaRPr lang="fi-FI" dirty="0" smtClean="0"/>
-          </a:p>
-          <a:p>
-            <a:r>
-              <a:rPr lang="fi-FI" dirty="0" smtClean="0"/>
+            <a:endParaRPr lang="fi-FI" dirty="0"/>
+          </a:p>
+          <a:p>
+            <a:r>
+              <a:rPr lang="fi-FI" dirty="0"/>
               <a:t>Teemu </a:t>
             </a:r>
             <a:r>
-              <a:rPr lang="fi-FI" dirty="0" err="1" smtClean="0"/>
+              <a:rPr lang="fi-FI" dirty="0" err="1"/>
               <a:t>virenius</a:t>
             </a:r>
             <a:r>
-              <a:rPr lang="fi-FI" dirty="0" smtClean="0"/>
+              <a:rPr lang="fi-FI" dirty="0"/>
               <a:t>, Mika </a:t>
             </a:r>
             <a:r>
-              <a:rPr lang="fi-FI" dirty="0" err="1" smtClean="0"/>
+              <a:rPr lang="fi-FI" dirty="0" err="1"/>
               <a:t>mäntynen</a:t>
             </a:r>
             <a:r>
-              <a:rPr lang="fi-FI" dirty="0" smtClean="0"/>
+              <a:rPr lang="fi-FI" dirty="0"/>
               <a:t>, </a:t>
             </a:r>
             <a:r>
-              <a:rPr lang="fi-FI" dirty="0" err="1" smtClean="0"/>
+              <a:rPr lang="fi-FI" dirty="0" err="1"/>
               <a:t>juho</a:t>
             </a:r>
             <a:r>
-              <a:rPr lang="fi-FI" dirty="0" smtClean="0"/>
+              <a:rPr lang="fi-FI" dirty="0"/>
               <a:t> </a:t>
             </a:r>
             <a:r>
-              <a:rPr lang="fi-FI" dirty="0" err="1" smtClean="0"/>
+              <a:rPr lang="fi-FI" dirty="0" err="1"/>
               <a:t>niemelä</a:t>
             </a:r>
             <a:r>
-              <a:rPr lang="fi-FI" dirty="0" smtClean="0"/>
+              <a:rPr lang="fi-FI" dirty="0"/>
               <a:t> and </a:t>
             </a:r>
             <a:r>
-              <a:rPr lang="fi-FI" dirty="0" err="1" smtClean="0"/>
+              <a:rPr lang="fi-FI" dirty="0" err="1"/>
               <a:t>viivi</a:t>
             </a:r>
             <a:r>
-              <a:rPr lang="fi-FI" dirty="0" smtClean="0"/>
+              <a:rPr lang="fi-FI" dirty="0"/>
               <a:t>  järvinen</a:t>
             </a:r>
             <a:endParaRPr lang="en-US" dirty="0"/>
@@ -14015,13 +14011,6 @@
   <p:clrMapOvr>
     <a:masterClrMapping/>
   </p:clrMapOvr>
-  <p:timing>
-    <p:tnLst>
-      <p:par>
-        <p:cTn id="1" dur="indefinite" restart="never" nodeType="tmRoot"/>
-      </p:par>
-    </p:tnLst>
-  </p:timing>
 </p:sld>
 </file>
 
@@ -14058,10 +14047,9 @@
           <a:lstStyle/>
           <a:p>
             <a:r>
-              <a:rPr lang="en-US" dirty="0" smtClean="0"/>
+              <a:rPr lang="en-US" dirty="0"/>
               <a:t>Resources for this presentation</a:t>
             </a:r>
-            <a:endParaRPr lang="en-US" dirty="0"/>
           </a:p>
         </p:txBody>
       </p:sp>
@@ -14097,24 +14085,15 @@
           </a:p>
           <a:p>
             <a:r>
-              <a:rPr lang="en-US" sz="2800" dirty="0" err="1"/>
-              <a:t>Juho</a:t>
-            </a:r>
-            <a:r>
               <a:rPr lang="en-US" sz="2800" dirty="0"/>
-              <a:t> :</a:t>
+              <a:t>Juho : 0.5h</a:t>
             </a:r>
           </a:p>
           <a:p>
             <a:r>
               <a:rPr lang="en-US" sz="2800" dirty="0"/>
-              <a:t>Teemu </a:t>
-            </a:r>
-            <a:r>
-              <a:rPr lang="en-US" sz="2800" dirty="0" smtClean="0"/>
-              <a:t>: 2h</a:t>
-            </a:r>
-            <a:endParaRPr lang="en-US" sz="2800" dirty="0"/>
+              <a:t>Teemu : 2h</a:t>
+            </a:r>
           </a:p>
           <a:p>
             <a:r>
@@ -14137,13 +14116,6 @@
   <p:clrMapOvr>
     <a:masterClrMapping/>
   </p:clrMapOvr>
-  <p:timing>
-    <p:tnLst>
-      <p:par>
-        <p:cTn id="1" dur="indefinite" restart="never" nodeType="tmRoot"/>
-      </p:par>
-    </p:tnLst>
-  </p:timing>
 </p:sld>
 </file>
 
@@ -14180,10 +14152,9 @@
           <a:lstStyle/>
           <a:p>
             <a:r>
-              <a:rPr lang="en-US" dirty="0" smtClean="0"/>
+              <a:rPr lang="en-US" dirty="0"/>
               <a:t>The prototype</a:t>
             </a:r>
-            <a:endParaRPr lang="en-US" dirty="0"/>
           </a:p>
         </p:txBody>
       </p:sp>
@@ -14205,7 +14176,7 @@
           <a:lstStyle/>
           <a:p>
             <a:r>
-              <a:rPr lang="en-US" sz="2800" dirty="0" smtClean="0"/>
+              <a:rPr lang="en-US" sz="2800" dirty="0"/>
               <a:t>Let us show the prototype of our web service.</a:t>
             </a:r>
           </a:p>
@@ -14217,6 +14188,63 @@
           </a:p>
         </p:txBody>
       </p:sp>
+      <p:graphicFrame>
+        <p:nvGraphicFramePr>
+          <p:cNvPr id="4" name="Objekti 3"/>
+          <p:cNvGraphicFramePr>
+            <a:graphicFrameLocks noChangeAspect="1"/>
+          </p:cNvGraphicFramePr>
+          <p:nvPr>
+            <p:extLst>
+              <p:ext uri="{D42A27DB-BD31-4B8C-83A1-F6EECF244321}">
+                <p14:modId xmlns:p14="http://schemas.microsoft.com/office/powerpoint/2010/main" val="1454329182"/>
+              </p:ext>
+            </p:extLst>
+          </p:nvPr>
+        </p:nvGraphicFramePr>
+        <p:xfrm>
+          <a:off x="3364523" y="3311159"/>
+          <a:ext cx="4951413" cy="3098800"/>
+        </p:xfrm>
+        <a:graphic>
+          <a:graphicData uri="http://schemas.openxmlformats.org/presentationml/2006/ole">
+            <mc:AlternateContent xmlns:mc="http://schemas.openxmlformats.org/markup-compatibility/2006">
+              <mc:Choice xmlns:v="urn:schemas-microsoft-com:vml" Requires="v">
+                <p:oleObj spid="_x0000_s1028" name="Image" r:id="rId3" imgW="4952160" imgH="3098160" progId="Photoshop.Image.16">
+                  <p:embed/>
+                </p:oleObj>
+              </mc:Choice>
+              <mc:Fallback>
+                <p:oleObj name="Image" r:id="rId3" imgW="4952160" imgH="3098160" progId="Photoshop.Image.16">
+                  <p:embed/>
+                  <p:pic>
+                    <p:nvPicPr>
+                      <p:cNvPr id="0" name=""/>
+                      <p:cNvPicPr/>
+                      <p:nvPr/>
+                    </p:nvPicPr>
+                    <p:blipFill>
+                      <a:blip r:embed="rId4"/>
+                      <a:stretch>
+                        <a:fillRect/>
+                      </a:stretch>
+                    </p:blipFill>
+                    <p:spPr>
+                      <a:xfrm>
+                        <a:off x="3364523" y="3311159"/>
+                        <a:ext cx="4951413" cy="3098800"/>
+                      </a:xfrm>
+                      <a:prstGeom prst="rect">
+                        <a:avLst/>
+                      </a:prstGeom>
+                    </p:spPr>
+                  </p:pic>
+                </p:oleObj>
+              </mc:Fallback>
+            </mc:AlternateContent>
+          </a:graphicData>
+        </a:graphic>
+      </p:graphicFrame>
     </p:spTree>
     <p:extLst>
       <p:ext uri="{BB962C8B-B14F-4D97-AF65-F5344CB8AC3E}">
@@ -14263,29 +14291,9 @@
           <a:lstStyle/>
           <a:p>
             <a:r>
-              <a:rPr lang="en-US" dirty="0" smtClean="0"/>
+              <a:rPr lang="en-US" dirty="0"/>
               <a:t>Thank you!</a:t>
             </a:r>
-            <a:endParaRPr lang="en-US" dirty="0"/>
-          </a:p>
-        </p:txBody>
-      </p:sp>
-      <p:sp>
-        <p:nvSpPr>
-          <p:cNvPr id="3" name="Content Placeholder 2"/>
-          <p:cNvSpPr>
-            <a:spLocks noGrp="1"/>
-          </p:cNvSpPr>
-          <p:nvPr>
-            <p:ph idx="1"/>
-          </p:nvPr>
-        </p:nvSpPr>
-        <p:spPr/>
-        <p:txBody>
-          <a:bodyPr/>
-          <a:lstStyle/>
-          <a:p>
-            <a:endParaRPr lang="en-US" dirty="0"/>
           </a:p>
         </p:txBody>
       </p:sp>
@@ -14335,10 +14343,9 @@
           <a:lstStyle/>
           <a:p>
             <a:r>
-              <a:rPr lang="en-US" dirty="0" smtClean="0"/>
+              <a:rPr lang="en-US" dirty="0"/>
               <a:t>Used techniques/tools</a:t>
             </a:r>
-            <a:endParaRPr lang="en-US" dirty="0"/>
           </a:p>
         </p:txBody>
       </p:sp>
@@ -14360,37 +14367,37 @@
           <a:lstStyle/>
           <a:p>
             <a:r>
-              <a:rPr lang="en-US" sz="2800" dirty="0" smtClean="0"/>
+              <a:rPr lang="en-US" sz="2800" dirty="0"/>
               <a:t>HTML, CSS and  Bootstrap–library for layout</a:t>
             </a:r>
           </a:p>
           <a:p>
             <a:r>
-              <a:rPr lang="en-US" sz="2800" dirty="0" smtClean="0"/>
+              <a:rPr lang="en-US" sz="2800" dirty="0"/>
               <a:t>JavaScript &amp; </a:t>
             </a:r>
             <a:r>
-              <a:rPr lang="en-US" sz="2800" dirty="0" err="1" smtClean="0"/>
+              <a:rPr lang="en-US" sz="2800" dirty="0" err="1"/>
               <a:t>Jquery</a:t>
             </a:r>
             <a:r>
-              <a:rPr lang="en-US" sz="2800" dirty="0" smtClean="0"/>
+              <a:rPr lang="en-US" sz="2800" dirty="0"/>
               <a:t> for programming</a:t>
             </a:r>
           </a:p>
           <a:p>
             <a:r>
-              <a:rPr lang="en-US" sz="2800" dirty="0" err="1" smtClean="0"/>
+              <a:rPr lang="en-US" sz="2800" dirty="0" err="1"/>
               <a:t>Github</a:t>
             </a:r>
             <a:r>
-              <a:rPr lang="en-US" sz="2800" dirty="0" smtClean="0"/>
+              <a:rPr lang="en-US" sz="2800" dirty="0"/>
               <a:t> for version control</a:t>
             </a:r>
           </a:p>
           <a:p>
             <a:r>
-              <a:rPr lang="en-US" sz="2800" dirty="0" smtClean="0"/>
+              <a:rPr lang="en-US" sz="2800" dirty="0"/>
               <a:t>Slack for messaging</a:t>
             </a:r>
           </a:p>
@@ -14445,19 +14452,19 @@
           <a:lstStyle/>
           <a:p>
             <a:r>
-              <a:rPr lang="fi-FI" dirty="0" err="1" smtClean="0"/>
+              <a:rPr lang="fi-FI" dirty="0" err="1"/>
               <a:t>What</a:t>
             </a:r>
             <a:r>
-              <a:rPr lang="fi-FI" dirty="0" smtClean="0"/>
+              <a:rPr lang="fi-FI" dirty="0"/>
               <a:t> is </a:t>
             </a:r>
             <a:r>
-              <a:rPr lang="fi-FI" dirty="0" err="1" smtClean="0"/>
+              <a:rPr lang="fi-FI" dirty="0" err="1"/>
               <a:t>Reso</a:t>
             </a:r>
             <a:r>
-              <a:rPr lang="fi-FI" dirty="0" smtClean="0"/>
+              <a:rPr lang="fi-FI" dirty="0"/>
               <a:t>?</a:t>
             </a:r>
             <a:endParaRPr lang="en-US" dirty="0"/>
@@ -14480,56 +14487,51 @@
           <a:lstStyle/>
           <a:p>
             <a:r>
-              <a:rPr lang="en-US" sz="2800" dirty="0" err="1" smtClean="0"/>
+              <a:rPr lang="en-US" sz="2800" dirty="0" err="1"/>
               <a:t>Reso</a:t>
             </a:r>
             <a:r>
-              <a:rPr lang="en-US" sz="2800" dirty="0" smtClean="0"/>
+              <a:rPr lang="en-US" sz="2800" dirty="0"/>
               <a:t> is project management web service.</a:t>
             </a:r>
           </a:p>
           <a:p>
             <a:r>
-              <a:rPr lang="en-US" sz="2800" dirty="0" smtClean="0"/>
+              <a:rPr lang="en-US" sz="2800" dirty="0"/>
               <a:t>It’s designed for desktop use</a:t>
             </a:r>
           </a:p>
           <a:p>
             <a:r>
-              <a:rPr lang="en-US" sz="2800" dirty="0" smtClean="0"/>
+              <a:rPr lang="en-US" sz="2800" dirty="0"/>
               <a:t>Idea of </a:t>
             </a:r>
             <a:r>
-              <a:rPr lang="en-US" sz="2800" dirty="0" err="1" smtClean="0"/>
+              <a:rPr lang="en-US" sz="2800" dirty="0" err="1"/>
               <a:t>Reso</a:t>
             </a:r>
             <a:r>
-              <a:rPr lang="en-US" sz="2800" dirty="0" smtClean="0"/>
+              <a:rPr lang="en-US" sz="2800" dirty="0"/>
               <a:t> is that person can find and manage all their projects from same place</a:t>
             </a:r>
           </a:p>
           <a:p>
             <a:r>
               <a:rPr lang="en-US" sz="2800" dirty="0"/>
-              <a:t>This version of the web service is only a </a:t>
-            </a:r>
-            <a:r>
-              <a:rPr lang="en-US" sz="2800" dirty="0" smtClean="0"/>
-              <a:t>prototype</a:t>
-            </a:r>
+              <a:t>This version of the web service is only a prototype</a:t>
+            </a:r>
+          </a:p>
+          <a:p>
             <a:endParaRPr lang="en-US" sz="2800" dirty="0"/>
           </a:p>
           <a:p>
-            <a:endParaRPr lang="en-US" sz="2800" dirty="0" smtClean="0"/>
-          </a:p>
-          <a:p>
             <a:pPr marL="0" indent="0">
               <a:buNone/>
             </a:pPr>
-            <a:endParaRPr lang="en-US" dirty="0" smtClean="0"/>
-          </a:p>
-          <a:p>
-            <a:endParaRPr lang="en-US" dirty="0" smtClean="0"/>
+            <a:endParaRPr lang="en-US" dirty="0"/>
+          </a:p>
+          <a:p>
+            <a:endParaRPr lang="en-US" dirty="0"/>
           </a:p>
         </p:txBody>
       </p:sp>
@@ -14543,13 +14545,6 @@
   <p:clrMapOvr>
     <a:masterClrMapping/>
   </p:clrMapOvr>
-  <p:timing>
-    <p:tnLst>
-      <p:par>
-        <p:cTn id="1" dur="indefinite" restart="never" nodeType="tmRoot"/>
-      </p:par>
-    </p:tnLst>
-  </p:timing>
 </p:sld>
 </file>
 
@@ -14586,10 +14581,9 @@
           <a:lstStyle/>
           <a:p>
             <a:r>
-              <a:rPr lang="en-US" dirty="0" smtClean="0"/>
+              <a:rPr lang="en-US" dirty="0"/>
               <a:t>Structure</a:t>
             </a:r>
-            <a:endParaRPr lang="en-US" dirty="0"/>
           </a:p>
         </p:txBody>
       </p:sp>
@@ -14611,38 +14605,37 @@
           <a:lstStyle/>
           <a:p>
             <a:r>
-              <a:rPr lang="en-US" sz="2800" dirty="0" smtClean="0"/>
+              <a:rPr lang="en-US" sz="2800" dirty="0"/>
               <a:t>Service consists of four main pages</a:t>
             </a:r>
           </a:p>
           <a:p>
             <a:pPr lvl="1"/>
             <a:r>
-              <a:rPr lang="en-US" sz="2800" dirty="0" smtClean="0"/>
+              <a:rPr lang="en-US" sz="2800" dirty="0"/>
               <a:t>Home page</a:t>
             </a:r>
           </a:p>
           <a:p>
             <a:pPr lvl="1"/>
             <a:r>
-              <a:rPr lang="en-US" sz="2800" dirty="0" smtClean="0"/>
+              <a:rPr lang="en-US" sz="2800" dirty="0"/>
               <a:t>Profile/personal page</a:t>
             </a:r>
           </a:p>
           <a:p>
             <a:pPr lvl="1"/>
             <a:r>
-              <a:rPr lang="en-US" sz="2800" dirty="0" smtClean="0"/>
+              <a:rPr lang="en-US" sz="2800" dirty="0"/>
               <a:t>Project page</a:t>
             </a:r>
           </a:p>
           <a:p>
             <a:pPr lvl="1"/>
             <a:r>
-              <a:rPr lang="en-US" sz="2800" dirty="0" smtClean="0"/>
+              <a:rPr lang="en-US" sz="2800" dirty="0"/>
               <a:t>Notes page  </a:t>
             </a:r>
-            <a:endParaRPr lang="en-US" sz="2800" dirty="0"/>
           </a:p>
         </p:txBody>
       </p:sp>
@@ -14656,13 +14649,6 @@
   <p:clrMapOvr>
     <a:masterClrMapping/>
   </p:clrMapOvr>
-  <p:timing>
-    <p:tnLst>
-      <p:par>
-        <p:cTn id="1" dur="indefinite" restart="never" nodeType="tmRoot"/>
-      </p:par>
-    </p:tnLst>
-  </p:timing>
 </p:sld>
 </file>
 
@@ -14699,10 +14685,9 @@
           <a:lstStyle/>
           <a:p>
             <a:r>
-              <a:rPr lang="en-US" dirty="0" smtClean="0"/>
+              <a:rPr lang="en-US" dirty="0"/>
               <a:t>Home page</a:t>
             </a:r>
-            <a:endParaRPr lang="en-US" dirty="0"/>
           </a:p>
         </p:txBody>
       </p:sp>
@@ -14722,47 +14707,47 @@
           <a:lstStyle/>
           <a:p>
             <a:r>
-              <a:rPr lang="en-US" sz="2800" dirty="0" smtClean="0"/>
+              <a:rPr lang="en-US" sz="2800" dirty="0"/>
               <a:t>Contains:</a:t>
             </a:r>
           </a:p>
           <a:p>
             <a:pPr lvl="1"/>
             <a:r>
-              <a:rPr lang="en-US" sz="2800" dirty="0" smtClean="0"/>
+              <a:rPr lang="en-US" sz="2800" dirty="0"/>
               <a:t>Description of the service/application</a:t>
             </a:r>
           </a:p>
           <a:p>
             <a:pPr lvl="1"/>
             <a:r>
-              <a:rPr lang="en-US" sz="2800" dirty="0" smtClean="0"/>
+              <a:rPr lang="en-US" sz="2800" dirty="0"/>
               <a:t>Login form</a:t>
             </a:r>
           </a:p>
           <a:p>
             <a:pPr lvl="1"/>
             <a:r>
-              <a:rPr lang="en-US" sz="2800" dirty="0" smtClean="0"/>
+              <a:rPr lang="en-US" sz="2800" dirty="0"/>
               <a:t>Registration form</a:t>
             </a:r>
           </a:p>
           <a:p>
             <a:r>
-              <a:rPr lang="en-US" sz="3000" dirty="0" smtClean="0"/>
+              <a:rPr lang="en-US" sz="3000" dirty="0"/>
               <a:t>Responsible</a:t>
             </a:r>
             <a:r>
-              <a:rPr lang="fi-FI" sz="3000" dirty="0" smtClean="0"/>
+              <a:rPr lang="fi-FI" sz="3000" dirty="0"/>
               <a:t> person: Viivi</a:t>
             </a:r>
-            <a:endParaRPr lang="en-US" sz="3000" dirty="0" smtClean="0"/>
+            <a:endParaRPr lang="en-US" sz="3000" dirty="0"/>
           </a:p>
           <a:p>
             <a:pPr marL="457200" lvl="1" indent="0">
               <a:buNone/>
             </a:pPr>
-            <a:endParaRPr lang="en-US" sz="2800" dirty="0" smtClean="0"/>
+            <a:endParaRPr lang="en-US" sz="2800" dirty="0"/>
           </a:p>
           <a:p>
             <a:pPr marL="457200" lvl="1" indent="0">
@@ -14774,25 +14759,25 @@
             <a:pPr marL="457200" lvl="1" indent="0">
               <a:buNone/>
             </a:pPr>
-            <a:endParaRPr lang="fi-FI" sz="2800" dirty="0" smtClean="0"/>
+            <a:endParaRPr lang="fi-FI" sz="2800" dirty="0"/>
           </a:p>
           <a:p>
             <a:pPr marL="457200" lvl="1" indent="0">
               <a:buNone/>
             </a:pPr>
-            <a:endParaRPr lang="en-US" sz="2800" dirty="0" smtClean="0"/>
+            <a:endParaRPr lang="en-US" sz="2800" dirty="0"/>
           </a:p>
           <a:p>
             <a:pPr marL="457200" lvl="1" indent="0">
               <a:buNone/>
             </a:pPr>
-            <a:endParaRPr lang="en-US" sz="2800" dirty="0" smtClean="0"/>
+            <a:endParaRPr lang="en-US" sz="2800" dirty="0"/>
           </a:p>
           <a:p>
             <a:pPr marL="457200" lvl="1" indent="0">
               <a:buNone/>
             </a:pPr>
-            <a:endParaRPr lang="en-US" dirty="0" smtClean="0"/>
+            <a:endParaRPr lang="en-US" dirty="0"/>
           </a:p>
         </p:txBody>
       </p:sp>
@@ -14806,13 +14791,6 @@
   <p:clrMapOvr>
     <a:masterClrMapping/>
   </p:clrMapOvr>
-  <p:timing>
-    <p:tnLst>
-      <p:par>
-        <p:cTn id="1" dur="indefinite" restart="never" nodeType="tmRoot"/>
-      </p:par>
-    </p:tnLst>
-  </p:timing>
 </p:sld>
 </file>
 
@@ -14849,10 +14827,9 @@
           <a:lstStyle/>
           <a:p>
             <a:r>
-              <a:rPr lang="en-US" dirty="0" smtClean="0"/>
+              <a:rPr lang="en-US" dirty="0"/>
               <a:t>Profile page</a:t>
             </a:r>
-            <a:endParaRPr lang="en-US" dirty="0"/>
           </a:p>
         </p:txBody>
       </p:sp>
@@ -14872,57 +14849,49 @@
           <a:lstStyle/>
           <a:p>
             <a:r>
-              <a:rPr lang="fi-FI" sz="2800" dirty="0" smtClean="0"/>
+              <a:rPr lang="fi-FI" sz="2800" dirty="0"/>
               <a:t>Contains:</a:t>
             </a:r>
           </a:p>
           <a:p>
             <a:pPr lvl="1"/>
             <a:r>
-              <a:rPr lang="fi-FI" sz="2800" dirty="0" err="1" smtClean="0"/>
+              <a:rPr lang="fi-FI" sz="2800" dirty="0" err="1"/>
               <a:t>List</a:t>
             </a:r>
             <a:r>
-              <a:rPr lang="fi-FI" sz="2800" dirty="0" smtClean="0"/>
+              <a:rPr lang="fi-FI" sz="2800" dirty="0"/>
               <a:t> of </a:t>
             </a:r>
             <a:r>
-              <a:rPr lang="fi-FI" sz="2800" dirty="0" err="1" smtClean="0"/>
+              <a:rPr lang="fi-FI" sz="2800" dirty="0" err="1"/>
               <a:t>projects</a:t>
             </a:r>
-            <a:endParaRPr lang="en-US" sz="2800" dirty="0" smtClean="0"/>
+            <a:endParaRPr lang="en-US" sz="2800" dirty="0"/>
           </a:p>
           <a:p>
             <a:pPr lvl="1"/>
             <a:r>
-              <a:rPr lang="fi-FI" sz="2800" dirty="0" smtClean="0"/>
+              <a:rPr lang="fi-FI" sz="2800" dirty="0"/>
               <a:t>Notes</a:t>
             </a:r>
           </a:p>
           <a:p>
             <a:pPr lvl="1"/>
             <a:r>
-              <a:rPr lang="fi-FI" sz="2800" dirty="0" err="1" smtClean="0"/>
+              <a:rPr lang="fi-FI" sz="2800" dirty="0" err="1"/>
               <a:t>Todos</a:t>
             </a:r>
             <a:endParaRPr lang="en-US" dirty="0"/>
           </a:p>
           <a:p>
             <a:r>
-              <a:rPr lang="en-US" sz="3000" dirty="0" smtClean="0"/>
+              <a:rPr lang="en-US" sz="3000" dirty="0"/>
               <a:t>Responsible</a:t>
             </a:r>
             <a:r>
-              <a:rPr lang="fi-FI" sz="3000" dirty="0" smtClean="0"/>
-              <a:t> </a:t>
-            </a:r>
-            <a:r>
               <a:rPr lang="fi-FI" sz="3000" dirty="0"/>
-              <a:t>person: </a:t>
-            </a:r>
-            <a:r>
-              <a:rPr lang="fi-FI" sz="3000" dirty="0" smtClean="0"/>
-              <a:t>Teemu</a:t>
+              <a:t> person: Teemu</a:t>
             </a:r>
             <a:endParaRPr lang="en-US" sz="3000" dirty="0"/>
           </a:p>
@@ -14930,7 +14899,7 @@
             <a:pPr marL="0" indent="0">
               <a:buNone/>
             </a:pPr>
-            <a:endParaRPr lang="fi-FI" sz="3000" dirty="0" smtClean="0"/>
+            <a:endParaRPr lang="fi-FI" sz="3000" dirty="0"/>
           </a:p>
         </p:txBody>
       </p:sp>
@@ -14944,13 +14913,6 @@
   <p:clrMapOvr>
     <a:masterClrMapping/>
   </p:clrMapOvr>
-  <p:timing>
-    <p:tnLst>
-      <p:par>
-        <p:cTn id="1" dur="indefinite" restart="never" nodeType="tmRoot"/>
-      </p:par>
-    </p:tnLst>
-  </p:timing>
 </p:sld>
 </file>
 
@@ -14987,10 +14949,9 @@
           <a:lstStyle/>
           <a:p>
             <a:r>
-              <a:rPr lang="en-US" dirty="0" smtClean="0"/>
+              <a:rPr lang="en-US" dirty="0"/>
               <a:t>Project page</a:t>
             </a:r>
-            <a:endParaRPr lang="en-US" dirty="0"/>
           </a:p>
         </p:txBody>
       </p:sp>
@@ -15017,21 +14978,21 @@
           <a:p>
             <a:pPr lvl="1"/>
             <a:r>
-              <a:rPr lang="en-US" sz="2800" dirty="0" smtClean="0"/>
+              <a:rPr lang="en-US" sz="2800" dirty="0"/>
               <a:t>Notice board</a:t>
             </a:r>
           </a:p>
           <a:p>
             <a:pPr lvl="1"/>
             <a:r>
-              <a:rPr lang="en-US" sz="2800" dirty="0" smtClean="0"/>
+              <a:rPr lang="en-US" sz="2800" dirty="0"/>
               <a:t>Information about the project</a:t>
             </a:r>
           </a:p>
           <a:p>
             <a:pPr lvl="1"/>
             <a:r>
-              <a:rPr lang="en-US" sz="2800" dirty="0" smtClean="0"/>
+              <a:rPr lang="en-US" sz="2800" dirty="0"/>
               <a:t>Resource table</a:t>
             </a:r>
           </a:p>
@@ -15042,16 +15003,12 @@
             </a:r>
             <a:r>
               <a:rPr lang="fi-FI" sz="3000" dirty="0"/>
-              <a:t> person: </a:t>
-            </a:r>
-            <a:r>
-              <a:rPr lang="fi-FI" sz="3000" dirty="0" smtClean="0"/>
-              <a:t>Mika</a:t>
+              <a:t> person: Mika</a:t>
             </a:r>
             <a:endParaRPr lang="en-US" sz="3000" dirty="0"/>
           </a:p>
           <a:p>
-            <a:endParaRPr lang="en-US" sz="3000" dirty="0" smtClean="0"/>
+            <a:endParaRPr lang="en-US" sz="3000" dirty="0"/>
           </a:p>
           <a:p>
             <a:pPr lvl="1"/>
@@ -15069,13 +15026,6 @@
   <p:clrMapOvr>
     <a:masterClrMapping/>
   </p:clrMapOvr>
-  <p:timing>
-    <p:tnLst>
-      <p:par>
-        <p:cTn id="1" dur="indefinite" restart="never" nodeType="tmRoot"/>
-      </p:par>
-    </p:tnLst>
-  </p:timing>
 </p:sld>
 </file>
 
@@ -15112,14 +15062,13 @@
           <a:lstStyle/>
           <a:p>
             <a:r>
-              <a:rPr lang="fi-FI" dirty="0" smtClean="0"/>
+              <a:rPr lang="fi-FI" dirty="0"/>
               <a:t>Notes </a:t>
             </a:r>
             <a:r>
-              <a:rPr lang="en-US" dirty="0" smtClean="0"/>
+              <a:rPr lang="en-US" dirty="0"/>
               <a:t>page</a:t>
             </a:r>
-            <a:endParaRPr lang="en-US" dirty="0"/>
           </a:p>
         </p:txBody>
       </p:sp>
@@ -15139,40 +15088,32 @@
           <a:lstStyle/>
           <a:p>
             <a:r>
-              <a:rPr lang="fi-FI" sz="2800" dirty="0" smtClean="0"/>
+              <a:rPr lang="fi-FI" sz="2800" dirty="0"/>
               <a:t>Contains:</a:t>
             </a:r>
           </a:p>
           <a:p>
             <a:pPr lvl="1"/>
             <a:r>
-              <a:rPr lang="en-US" sz="2800" dirty="0" smtClean="0"/>
+              <a:rPr lang="en-US" sz="2800" dirty="0"/>
               <a:t>List of notes</a:t>
             </a:r>
           </a:p>
           <a:p>
             <a:pPr lvl="1"/>
             <a:r>
-              <a:rPr lang="en-US" sz="2800" dirty="0" smtClean="0"/>
-              <a:t>Filtering</a:t>
-            </a:r>
-          </a:p>
-          <a:p>
-            <a:r>
-              <a:rPr lang="en-US" sz="3000" dirty="0" smtClean="0"/>
+              <a:rPr lang="en-US" sz="2800" dirty="0"/>
+              <a:t>Filtering (not available)</a:t>
+            </a:r>
+          </a:p>
+          <a:p>
+            <a:r>
+              <a:rPr lang="en-US" sz="3000" dirty="0"/>
               <a:t>Responsible</a:t>
             </a:r>
             <a:r>
-              <a:rPr lang="fi-FI" sz="3000" dirty="0" smtClean="0"/>
-              <a:t> </a:t>
-            </a:r>
-            <a:r>
               <a:rPr lang="fi-FI" sz="3000" dirty="0"/>
-              <a:t>person: </a:t>
-            </a:r>
-            <a:r>
-              <a:rPr lang="fi-FI" sz="3000" dirty="0" smtClean="0"/>
-              <a:t>Juho</a:t>
+              <a:t> person: Juho</a:t>
             </a:r>
             <a:endParaRPr lang="en-US" sz="3000" dirty="0"/>
           </a:p>
@@ -15180,7 +15121,7 @@
             <a:pPr marL="0" indent="0">
               <a:buNone/>
             </a:pPr>
-            <a:endParaRPr lang="fi-FI" sz="3000" dirty="0" smtClean="0"/>
+            <a:endParaRPr lang="fi-FI" sz="3000" dirty="0"/>
           </a:p>
           <a:p>
             <a:endParaRPr lang="en-US" dirty="0"/>
@@ -15197,13 +15138,6 @@
   <p:clrMapOvr>
     <a:masterClrMapping/>
   </p:clrMapOvr>
-  <p:timing>
-    <p:tnLst>
-      <p:par>
-        <p:cTn id="1" dur="indefinite" restart="never" nodeType="tmRoot"/>
-      </p:par>
-    </p:tnLst>
-  </p:timing>
 </p:sld>
 </file>
 
@@ -15240,7 +15174,7 @@
           <a:lstStyle/>
           <a:p>
             <a:r>
-              <a:rPr lang="fi-FI" dirty="0" smtClean="0"/>
+              <a:rPr lang="fi-FI" dirty="0"/>
               <a:t>Project Resources</a:t>
             </a:r>
             <a:endParaRPr lang="en-US" dirty="0"/>
@@ -15260,51 +15194,42 @@
         <p:spPr/>
         <p:txBody>
           <a:bodyPr>
-            <a:normAutofit/>
+            <a:normAutofit lnSpcReduction="10000"/>
           </a:bodyPr>
           <a:lstStyle/>
           <a:p>
             <a:r>
-              <a:rPr lang="en-US" sz="2800" dirty="0" err="1" smtClean="0"/>
+              <a:rPr lang="en-US" sz="2800" dirty="0" err="1"/>
               <a:t>Viivi</a:t>
             </a:r>
             <a:r>
               <a:rPr lang="en-US" sz="2800" dirty="0"/>
-              <a:t> </a:t>
-            </a:r>
-            <a:r>
-              <a:rPr lang="en-US" sz="2800" dirty="0" smtClean="0"/>
-              <a:t>: </a:t>
-            </a:r>
-          </a:p>
-          <a:p>
-            <a:r>
-              <a:rPr lang="en-US" sz="2800" dirty="0" smtClean="0"/>
+              <a:t> : </a:t>
+            </a:r>
+          </a:p>
+          <a:p>
+            <a:r>
+              <a:rPr lang="en-US" sz="2800" dirty="0"/>
               <a:t>Mika : </a:t>
             </a:r>
           </a:p>
           <a:p>
             <a:r>
-              <a:rPr lang="en-US" sz="2800" dirty="0" err="1" smtClean="0"/>
-              <a:t>Juho</a:t>
-            </a:r>
-            <a:r>
-              <a:rPr lang="en-US" sz="2800" dirty="0" smtClean="0"/>
-              <a:t> :</a:t>
-            </a:r>
-          </a:p>
-          <a:p>
-            <a:r>
-              <a:rPr lang="en-US" sz="2800" dirty="0" smtClean="0"/>
+              <a:rPr lang="en-US" sz="2800" dirty="0"/>
+              <a:t>Juho : 15h (Notes page 15h and 1h documentation)</a:t>
+            </a:r>
+          </a:p>
+          <a:p>
+            <a:r>
+              <a:rPr lang="en-US" sz="2800" dirty="0"/>
               <a:t>Teemu : 40,5h (Profile page with interaction 31,5h and 9h documentation)</a:t>
             </a:r>
           </a:p>
           <a:p>
             <a:r>
-              <a:rPr lang="en-US" sz="2800" dirty="0" smtClean="0"/>
+              <a:rPr lang="en-US" sz="2800" dirty="0"/>
               <a:t>Total =</a:t>
             </a:r>
-            <a:endParaRPr lang="en-US" sz="2800" dirty="0" smtClean="0"/>
           </a:p>
         </p:txBody>
       </p:sp>
@@ -15318,13 +15243,6 @@
   <p:clrMapOvr>
     <a:masterClrMapping/>
   </p:clrMapOvr>
-  <p:timing>
-    <p:tnLst>
-      <p:par>
-        <p:cTn id="1" dur="indefinite" restart="never" nodeType="tmRoot"/>
-      </p:par>
-    </p:tnLst>
-  </p:timing>
 </p:sld>
 </file>
 

--- a/Suunnitelma/web_programming.pptx
+++ b/Suunnitelma/web_programming.pptx
@@ -6,8 +6,8 @@
   </p:sldMasterIdLst>
   <p:sldIdLst>
     <p:sldId id="256" r:id="rId2"/>
-    <p:sldId id="267" r:id="rId3"/>
-    <p:sldId id="257" r:id="rId4"/>
+    <p:sldId id="257" r:id="rId3"/>
+    <p:sldId id="267" r:id="rId4"/>
     <p:sldId id="258" r:id="rId5"/>
     <p:sldId id="259" r:id="rId6"/>
     <p:sldId id="260" r:id="rId7"/>
@@ -14069,19 +14069,25 @@
           <a:lstStyle/>
           <a:p>
             <a:r>
-              <a:rPr lang="en-US" sz="2800" dirty="0" err="1"/>
-              <a:t>Viivi</a:t>
-            </a:r>
-            <a:r>
               <a:rPr lang="en-US" sz="2800" dirty="0"/>
-              <a:t> : </a:t>
-            </a:r>
+              <a:t>Viivi : </a:t>
+            </a:r>
+            <a:r>
+              <a:rPr lang="en-US" sz="2800" dirty="0" smtClean="0"/>
+              <a:t>1h</a:t>
+            </a:r>
+            <a:endParaRPr lang="en-US" sz="2800" dirty="0"/>
           </a:p>
           <a:p>
             <a:r>
               <a:rPr lang="en-US" sz="2800" dirty="0"/>
               <a:t>Mika : </a:t>
             </a:r>
+            <a:r>
+              <a:rPr lang="en-US" sz="2800" dirty="0" smtClean="0"/>
+              <a:t>1h</a:t>
+            </a:r>
+            <a:endParaRPr lang="en-US" sz="2800" dirty="0"/>
           </a:p>
           <a:p>
             <a:r>
@@ -14098,8 +14104,13 @@
           <a:p>
             <a:r>
               <a:rPr lang="en-US" sz="2800" dirty="0"/>
-              <a:t>Total =</a:t>
-            </a:r>
+              <a:t>Total </a:t>
+            </a:r>
+            <a:r>
+              <a:rPr lang="en-US" sz="2800" dirty="0" smtClean="0"/>
+              <a:t>=4,5h</a:t>
+            </a:r>
+            <a:endParaRPr lang="en-US" sz="2800" dirty="0"/>
           </a:p>
           <a:p>
             <a:endParaRPr lang="en-US" dirty="0"/>
@@ -14210,7 +14221,7 @@
           <a:graphicData uri="http://schemas.openxmlformats.org/presentationml/2006/ole">
             <mc:AlternateContent xmlns:mc="http://schemas.openxmlformats.org/markup-compatibility/2006">
               <mc:Choice xmlns:v="urn:schemas-microsoft-com:vml" Requires="v">
-                <p:oleObj spid="_x0000_s1028" name="Image" r:id="rId3" imgW="4952160" imgH="3098160" progId="Photoshop.Image.16">
+                <p:oleObj spid="_x0000_s1032" name="Image" r:id="rId3" imgW="4952160" imgH="3098160" progId="Photoshop.Image.16">
                   <p:embed/>
                 </p:oleObj>
               </mc:Choice>
@@ -14343,9 +14354,22 @@
           <a:lstStyle/>
           <a:p>
             <a:r>
-              <a:rPr lang="en-US" dirty="0"/>
-              <a:t>Used techniques/tools</a:t>
-            </a:r>
+              <a:rPr lang="fi-FI" dirty="0" err="1"/>
+              <a:t>What</a:t>
+            </a:r>
+            <a:r>
+              <a:rPr lang="fi-FI" dirty="0"/>
+              <a:t> is </a:t>
+            </a:r>
+            <a:r>
+              <a:rPr lang="fi-FI" dirty="0" err="1"/>
+              <a:t>Reso</a:t>
+            </a:r>
+            <a:r>
+              <a:rPr lang="fi-FI" dirty="0"/>
+              <a:t>?</a:t>
+            </a:r>
+            <a:endParaRPr lang="en-US" dirty="0"/>
           </a:p>
         </p:txBody>
       </p:sp>
@@ -14361,55 +14385,62 @@
         </p:nvSpPr>
         <p:spPr/>
         <p:txBody>
-          <a:bodyPr>
-            <a:normAutofit/>
-          </a:bodyPr>
+          <a:bodyPr/>
           <a:lstStyle/>
           <a:p>
             <a:r>
+              <a:rPr lang="en-US" sz="2800" dirty="0" err="1"/>
+              <a:t>Reso</a:t>
+            </a:r>
+            <a:r>
               <a:rPr lang="en-US" sz="2800" dirty="0"/>
-              <a:t>HTML, CSS and  Bootstrap–library for layout</a:t>
+              <a:t> is project management web service.</a:t>
             </a:r>
           </a:p>
           <a:p>
             <a:r>
               <a:rPr lang="en-US" sz="2800" dirty="0"/>
-              <a:t>JavaScript &amp; </a:t>
+              <a:t>It’s designed for desktop use</a:t>
+            </a:r>
+          </a:p>
+          <a:p>
+            <a:r>
+              <a:rPr lang="en-US" sz="2800" dirty="0"/>
+              <a:t>Idea of </a:t>
             </a:r>
             <a:r>
               <a:rPr lang="en-US" sz="2800" dirty="0" err="1"/>
-              <a:t>Jquery</a:t>
+              <a:t>Reso</a:t>
             </a:r>
             <a:r>
               <a:rPr lang="en-US" sz="2800" dirty="0"/>
-              <a:t> for programming</a:t>
-            </a:r>
-          </a:p>
-          <a:p>
-            <a:r>
-              <a:rPr lang="en-US" sz="2800" dirty="0" err="1"/>
-              <a:t>Github</a:t>
-            </a:r>
+              <a:t> is that person can find and manage all their projects from same place</a:t>
+            </a:r>
+          </a:p>
+          <a:p>
             <a:r>
               <a:rPr lang="en-US" sz="2800" dirty="0"/>
-              <a:t> for version control</a:t>
-            </a:r>
-          </a:p>
-          <a:p>
-            <a:r>
-              <a:rPr lang="en-US" sz="2800" dirty="0"/>
-              <a:t>Slack for messaging</a:t>
+              <a:t>This version of the web service is only a prototype</a:t>
             </a:r>
           </a:p>
           <a:p>
             <a:endParaRPr lang="en-US" sz="2800" dirty="0"/>
+          </a:p>
+          <a:p>
+            <a:pPr marL="0" indent="0">
+              <a:buNone/>
+            </a:pPr>
+            <a:endParaRPr lang="en-US" dirty="0"/>
+          </a:p>
+          <a:p>
+            <a:endParaRPr lang="en-US" dirty="0"/>
           </a:p>
         </p:txBody>
       </p:sp>
     </p:spTree>
     <p:extLst>
       <p:ext uri="{BB962C8B-B14F-4D97-AF65-F5344CB8AC3E}">
-        <p14:creationId xmlns:p14="http://schemas.microsoft.com/office/powerpoint/2010/main" val="1649842861"/>
+        <p14:creationId xmlns:p14="http://schemas.microsoft.com/office/powerpoint/2010/main" val="1407910578"/>
       </p:ext>
     </p:extLst>
   </p:cSld>
@@ -14452,22 +14483,9 @@
           <a:lstStyle/>
           <a:p>
             <a:r>
-              <a:rPr lang="fi-FI" dirty="0" err="1"/>
-              <a:t>What</a:t>
-            </a:r>
-            <a:r>
-              <a:rPr lang="fi-FI" dirty="0"/>
-              <a:t> is </a:t>
-            </a:r>
-            <a:r>
-              <a:rPr lang="fi-FI" dirty="0" err="1"/>
-              <a:t>Reso</a:t>
-            </a:r>
-            <a:r>
-              <a:rPr lang="fi-FI" dirty="0"/>
-              <a:t>?</a:t>
-            </a:r>
-            <a:endParaRPr lang="en-US" dirty="0"/>
+              <a:rPr lang="en-US" dirty="0"/>
+              <a:t>Used techniques/tools</a:t>
+            </a:r>
           </a:p>
         </p:txBody>
       </p:sp>
@@ -14483,62 +14501,55 @@
         </p:nvSpPr>
         <p:spPr/>
         <p:txBody>
-          <a:bodyPr/>
+          <a:bodyPr>
+            <a:normAutofit/>
+          </a:bodyPr>
           <a:lstStyle/>
           <a:p>
             <a:r>
+              <a:rPr lang="en-US" sz="2800" dirty="0"/>
+              <a:t>HTML, CSS and  Bootstrap–library for layout</a:t>
+            </a:r>
+          </a:p>
+          <a:p>
+            <a:r>
+              <a:rPr lang="en-US" sz="2800" dirty="0"/>
+              <a:t>JavaScript &amp; </a:t>
+            </a:r>
+            <a:r>
               <a:rPr lang="en-US" sz="2800" dirty="0" err="1"/>
-              <a:t>Reso</a:t>
+              <a:t>Jquery</a:t>
             </a:r>
             <a:r>
               <a:rPr lang="en-US" sz="2800" dirty="0"/>
-              <a:t> is project management web service.</a:t>
-            </a:r>
-          </a:p>
-          <a:p>
+              <a:t> for programming</a:t>
+            </a:r>
+          </a:p>
+          <a:p>
+            <a:r>
+              <a:rPr lang="en-US" sz="2800" dirty="0" err="1"/>
+              <a:t>Github</a:t>
+            </a:r>
             <a:r>
               <a:rPr lang="en-US" sz="2800" dirty="0"/>
-              <a:t>It’s designed for desktop use</a:t>
+              <a:t> for version control</a:t>
             </a:r>
           </a:p>
           <a:p>
             <a:r>
               <a:rPr lang="en-US" sz="2800" dirty="0"/>
-              <a:t>Idea of </a:t>
-            </a:r>
-            <a:r>
-              <a:rPr lang="en-US" sz="2800" dirty="0" err="1"/>
-              <a:t>Reso</a:t>
-            </a:r>
-            <a:r>
-              <a:rPr lang="en-US" sz="2800" dirty="0"/>
-              <a:t> is that person can find and manage all their projects from same place</a:t>
-            </a:r>
-          </a:p>
-          <a:p>
-            <a:r>
-              <a:rPr lang="en-US" sz="2800" dirty="0"/>
-              <a:t>This version of the web service is only a prototype</a:t>
+              <a:t>Slack for messaging</a:t>
             </a:r>
           </a:p>
           <a:p>
             <a:endParaRPr lang="en-US" sz="2800" dirty="0"/>
-          </a:p>
-          <a:p>
-            <a:pPr marL="0" indent="0">
-              <a:buNone/>
-            </a:pPr>
-            <a:endParaRPr lang="en-US" dirty="0"/>
-          </a:p>
-          <a:p>
-            <a:endParaRPr lang="en-US" dirty="0"/>
           </a:p>
         </p:txBody>
       </p:sp>
     </p:spTree>
     <p:extLst>
       <p:ext uri="{BB962C8B-B14F-4D97-AF65-F5344CB8AC3E}">
-        <p14:creationId xmlns:p14="http://schemas.microsoft.com/office/powerpoint/2010/main" val="1407910578"/>
+        <p14:creationId xmlns:p14="http://schemas.microsoft.com/office/powerpoint/2010/main" val="1649842861"/>
       </p:ext>
     </p:extLst>
   </p:cSld>
@@ -15194,29 +15205,43 @@
         <p:spPr/>
         <p:txBody>
           <a:bodyPr>
-            <a:normAutofit lnSpcReduction="10000"/>
+            <a:normAutofit fontScale="85000" lnSpcReduction="10000"/>
           </a:bodyPr>
           <a:lstStyle/>
           <a:p>
             <a:r>
-              <a:rPr lang="en-US" sz="2800" dirty="0" err="1"/>
-              <a:t>Viivi</a:t>
-            </a:r>
-            <a:r>
               <a:rPr lang="en-US" sz="2800" dirty="0"/>
-              <a:t> : </a:t>
-            </a:r>
+              <a:t>Viivi : </a:t>
+            </a:r>
+            <a:r>
+              <a:rPr lang="en-US" sz="2800" dirty="0" smtClean="0"/>
+              <a:t>38,5h (Homepage, registration form, new project page 34h and documentation 4,5h)</a:t>
+            </a:r>
+            <a:endParaRPr lang="en-US" sz="2800" dirty="0"/>
           </a:p>
           <a:p>
             <a:r>
               <a:rPr lang="en-US" sz="2800" dirty="0"/>
               <a:t>Mika : </a:t>
             </a:r>
+            <a:r>
+              <a:rPr lang="en-US" sz="2800" dirty="0" smtClean="0"/>
+              <a:t>30h (Project page 29h and documentation 1h)</a:t>
+            </a:r>
+            <a:endParaRPr lang="en-US" sz="2800" dirty="0"/>
           </a:p>
           <a:p>
             <a:r>
               <a:rPr lang="en-US" sz="2800" dirty="0"/>
-              <a:t>Juho : 15h (Notes page 15h and 1h documentation)</a:t>
+              <a:t>Juho : </a:t>
+            </a:r>
+            <a:r>
+              <a:rPr lang="en-US" sz="2800" dirty="0" smtClean="0"/>
+              <a:t>16h </a:t>
+            </a:r>
+            <a:r>
+              <a:rPr lang="en-US" sz="2800" dirty="0"/>
+              <a:t>(Notes page 15h and 1h documentation)</a:t>
             </a:r>
           </a:p>
           <a:p>
@@ -15228,8 +15253,13 @@
           <a:p>
             <a:r>
               <a:rPr lang="en-US" sz="2800" dirty="0"/>
-              <a:t>Total =</a:t>
-            </a:r>
+              <a:t>Total </a:t>
+            </a:r>
+            <a:r>
+              <a:rPr lang="en-US" sz="2800" dirty="0" smtClean="0"/>
+              <a:t>=126h</a:t>
+            </a:r>
+            <a:endParaRPr lang="en-US" sz="2800" dirty="0"/>
           </a:p>
         </p:txBody>
       </p:sp>
